--- a/3° semestre/Fundamentos da Economia/Seminário/Oferta Slides.pptx
+++ b/3° semestre/Fundamentos da Economia/Seminário/Oferta Slides.pptx
@@ -5,6 +5,9 @@
     <p:sldMasterId id="2147483660" r:id="rId1"/>
     <p:sldMasterId id="2147483714" r:id="rId2"/>
   </p:sldMasterIdLst>
+  <p:notesMasterIdLst>
+    <p:notesMasterId r:id="rId8"/>
+  </p:notesMasterIdLst>
   <p:sldIdLst>
     <p:sldId id="256" r:id="rId3"/>
     <p:sldId id="257" r:id="rId4"/>
@@ -2370,6 +2373,439 @@
     </cs:spPr>
   </cs:wall>
 </cs:chartStyle>
+</file>
+
+<file path=ppt/notesMasters/notesMaster1.xml><?xml version="1.0" encoding="utf-8"?>
+<p:notesMaster xmlns:a="http://schemas.openxmlformats.org/drawingml/2006/main" xmlns:r="http://schemas.openxmlformats.org/officeDocument/2006/relationships" xmlns:p="http://schemas.openxmlformats.org/presentationml/2006/main">
+  <p:cSld>
+    <p:bg>
+      <p:bgRef idx="1001">
+        <a:schemeClr val="bg1"/>
+      </p:bgRef>
+    </p:bg>
+    <p:spTree>
+      <p:nvGrpSpPr>
+        <p:cNvPr id="1" name=""/>
+        <p:cNvGrpSpPr/>
+        <p:nvPr/>
+      </p:nvGrpSpPr>
+      <p:grpSpPr>
+        <a:xfrm>
+          <a:off x="0" y="0"/>
+          <a:ext cx="0" cy="0"/>
+          <a:chOff x="0" y="0"/>
+          <a:chExt cx="0" cy="0"/>
+        </a:xfrm>
+      </p:grpSpPr>
+      <p:sp>
+        <p:nvSpPr>
+          <p:cNvPr id="2" name="Espaço Reservado para Cabeçalho 1"/>
+          <p:cNvSpPr>
+            <a:spLocks noGrp="1"/>
+          </p:cNvSpPr>
+          <p:nvPr>
+            <p:ph type="hdr" sz="quarter"/>
+          </p:nvPr>
+        </p:nvSpPr>
+        <p:spPr>
+          <a:xfrm>
+            <a:off x="0" y="0"/>
+            <a:ext cx="2971800" cy="458788"/>
+          </a:xfrm>
+          <a:prstGeom prst="rect">
+            <a:avLst/>
+          </a:prstGeom>
+        </p:spPr>
+        <p:txBody>
+          <a:bodyPr vert="horz" lIns="91440" tIns="45720" rIns="91440" bIns="45720" rtlCol="0"/>
+          <a:lstStyle>
+            <a:lvl1pPr algn="l">
+              <a:defRPr sz="1200"/>
+            </a:lvl1pPr>
+          </a:lstStyle>
+          <a:p>
+            <a:endParaRPr lang="pt-BR"/>
+          </a:p>
+        </p:txBody>
+      </p:sp>
+      <p:sp>
+        <p:nvSpPr>
+          <p:cNvPr id="3" name="Espaço Reservado para Data 2"/>
+          <p:cNvSpPr>
+            <a:spLocks noGrp="1"/>
+          </p:cNvSpPr>
+          <p:nvPr>
+            <p:ph type="dt" idx="1"/>
+          </p:nvPr>
+        </p:nvSpPr>
+        <p:spPr>
+          <a:xfrm>
+            <a:off x="3884613" y="0"/>
+            <a:ext cx="2971800" cy="458788"/>
+          </a:xfrm>
+          <a:prstGeom prst="rect">
+            <a:avLst/>
+          </a:prstGeom>
+        </p:spPr>
+        <p:txBody>
+          <a:bodyPr vert="horz" lIns="91440" tIns="45720" rIns="91440" bIns="45720" rtlCol="0"/>
+          <a:lstStyle>
+            <a:lvl1pPr algn="r">
+              <a:defRPr sz="1200"/>
+            </a:lvl1pPr>
+          </a:lstStyle>
+          <a:p>
+            <a:fld id="{EA6588B8-CF5C-4036-A8B9-D330894C2072}" type="datetimeFigureOut">
+              <a:rPr lang="pt-BR" smtClean="0"/>
+              <a:t>11/04/2023</a:t>
+            </a:fld>
+            <a:endParaRPr lang="pt-BR"/>
+          </a:p>
+        </p:txBody>
+      </p:sp>
+      <p:sp>
+        <p:nvSpPr>
+          <p:cNvPr id="4" name="Espaço Reservado para Imagem de Slide 3"/>
+          <p:cNvSpPr>
+            <a:spLocks noGrp="1" noRot="1" noChangeAspect="1"/>
+          </p:cNvSpPr>
+          <p:nvPr>
+            <p:ph type="sldImg" idx="2"/>
+          </p:nvPr>
+        </p:nvSpPr>
+        <p:spPr>
+          <a:xfrm>
+            <a:off x="685800" y="1143000"/>
+            <a:ext cx="5486400" cy="3086100"/>
+          </a:xfrm>
+          <a:prstGeom prst="rect">
+            <a:avLst/>
+          </a:prstGeom>
+          <a:noFill/>
+          <a:ln w="12700">
+            <a:solidFill>
+              <a:prstClr val="black"/>
+            </a:solidFill>
+          </a:ln>
+        </p:spPr>
+        <p:txBody>
+          <a:bodyPr vert="horz" lIns="91440" tIns="45720" rIns="91440" bIns="45720" rtlCol="0" anchor="ctr"/>
+          <a:lstStyle/>
+          <a:p>
+            <a:endParaRPr lang="pt-BR"/>
+          </a:p>
+        </p:txBody>
+      </p:sp>
+      <p:sp>
+        <p:nvSpPr>
+          <p:cNvPr id="5" name="Espaço Reservado para Anotações 4"/>
+          <p:cNvSpPr>
+            <a:spLocks noGrp="1"/>
+          </p:cNvSpPr>
+          <p:nvPr>
+            <p:ph type="body" sz="quarter" idx="3"/>
+          </p:nvPr>
+        </p:nvSpPr>
+        <p:spPr>
+          <a:xfrm>
+            <a:off x="685800" y="4400550"/>
+            <a:ext cx="5486400" cy="3600450"/>
+          </a:xfrm>
+          <a:prstGeom prst="rect">
+            <a:avLst/>
+          </a:prstGeom>
+        </p:spPr>
+        <p:txBody>
+          <a:bodyPr vert="horz" lIns="91440" tIns="45720" rIns="91440" bIns="45720" rtlCol="0"/>
+          <a:lstStyle/>
+          <a:p>
+            <a:pPr lvl="0"/>
+            <a:r>
+              <a:rPr lang="pt-BR"/>
+              <a:t>Clique para editar os estilos de texto Mestres</a:t>
+            </a:r>
+          </a:p>
+          <a:p>
+            <a:pPr lvl="1"/>
+            <a:r>
+              <a:rPr lang="pt-BR"/>
+              <a:t>Segundo nível</a:t>
+            </a:r>
+          </a:p>
+          <a:p>
+            <a:pPr lvl="2"/>
+            <a:r>
+              <a:rPr lang="pt-BR"/>
+              <a:t>Terceiro nível</a:t>
+            </a:r>
+          </a:p>
+          <a:p>
+            <a:pPr lvl="3"/>
+            <a:r>
+              <a:rPr lang="pt-BR"/>
+              <a:t>Quarto nível</a:t>
+            </a:r>
+          </a:p>
+          <a:p>
+            <a:pPr lvl="4"/>
+            <a:r>
+              <a:rPr lang="pt-BR"/>
+              <a:t>Quinto nível</a:t>
+            </a:r>
+          </a:p>
+        </p:txBody>
+      </p:sp>
+      <p:sp>
+        <p:nvSpPr>
+          <p:cNvPr id="6" name="Espaço Reservado para Rodapé 5"/>
+          <p:cNvSpPr>
+            <a:spLocks noGrp="1"/>
+          </p:cNvSpPr>
+          <p:nvPr>
+            <p:ph type="ftr" sz="quarter" idx="4"/>
+          </p:nvPr>
+        </p:nvSpPr>
+        <p:spPr>
+          <a:xfrm>
+            <a:off x="0" y="8685213"/>
+            <a:ext cx="2971800" cy="458787"/>
+          </a:xfrm>
+          <a:prstGeom prst="rect">
+            <a:avLst/>
+          </a:prstGeom>
+        </p:spPr>
+        <p:txBody>
+          <a:bodyPr vert="horz" lIns="91440" tIns="45720" rIns="91440" bIns="45720" rtlCol="0" anchor="b"/>
+          <a:lstStyle>
+            <a:lvl1pPr algn="l">
+              <a:defRPr sz="1200"/>
+            </a:lvl1pPr>
+          </a:lstStyle>
+          <a:p>
+            <a:endParaRPr lang="pt-BR"/>
+          </a:p>
+        </p:txBody>
+      </p:sp>
+      <p:sp>
+        <p:nvSpPr>
+          <p:cNvPr id="7" name="Espaço Reservado para Número de Slide 6"/>
+          <p:cNvSpPr>
+            <a:spLocks noGrp="1"/>
+          </p:cNvSpPr>
+          <p:nvPr>
+            <p:ph type="sldNum" sz="quarter" idx="5"/>
+          </p:nvPr>
+        </p:nvSpPr>
+        <p:spPr>
+          <a:xfrm>
+            <a:off x="3884613" y="8685213"/>
+            <a:ext cx="2971800" cy="458787"/>
+          </a:xfrm>
+          <a:prstGeom prst="rect">
+            <a:avLst/>
+          </a:prstGeom>
+        </p:spPr>
+        <p:txBody>
+          <a:bodyPr vert="horz" lIns="91440" tIns="45720" rIns="91440" bIns="45720" rtlCol="0" anchor="b"/>
+          <a:lstStyle>
+            <a:lvl1pPr algn="r">
+              <a:defRPr sz="1200"/>
+            </a:lvl1pPr>
+          </a:lstStyle>
+          <a:p>
+            <a:fld id="{68AEE255-15B4-49F8-96F7-E5FC774C6881}" type="slidenum">
+              <a:rPr lang="pt-BR" smtClean="0"/>
+              <a:t>‹nº›</a:t>
+            </a:fld>
+            <a:endParaRPr lang="pt-BR"/>
+          </a:p>
+        </p:txBody>
+      </p:sp>
+    </p:spTree>
+    <p:extLst>
+      <p:ext uri="{BB962C8B-B14F-4D97-AF65-F5344CB8AC3E}">
+        <p14:creationId xmlns:p14="http://schemas.microsoft.com/office/powerpoint/2010/main" val="823542751"/>
+      </p:ext>
+    </p:extLst>
+  </p:cSld>
+  <p:clrMap bg1="lt1" tx1="dk1" bg2="lt2" tx2="dk2" accent1="accent1" accent2="accent2" accent3="accent3" accent4="accent4" accent5="accent5" accent6="accent6" hlink="hlink" folHlink="folHlink"/>
+  <p:notesStyle>
+    <a:lvl1pPr marL="0" algn="l" defTabSz="914400" rtl="0" eaLnBrk="1" latinLnBrk="0" hangingPunct="1">
+      <a:defRPr sz="1200" kern="1200">
+        <a:solidFill>
+          <a:schemeClr val="tx1"/>
+        </a:solidFill>
+        <a:latin typeface="+mn-lt"/>
+        <a:ea typeface="+mn-ea"/>
+        <a:cs typeface="+mn-cs"/>
+      </a:defRPr>
+    </a:lvl1pPr>
+    <a:lvl2pPr marL="457200" algn="l" defTabSz="914400" rtl="0" eaLnBrk="1" latinLnBrk="0" hangingPunct="1">
+      <a:defRPr sz="1200" kern="1200">
+        <a:solidFill>
+          <a:schemeClr val="tx1"/>
+        </a:solidFill>
+        <a:latin typeface="+mn-lt"/>
+        <a:ea typeface="+mn-ea"/>
+        <a:cs typeface="+mn-cs"/>
+      </a:defRPr>
+    </a:lvl2pPr>
+    <a:lvl3pPr marL="914400" algn="l" defTabSz="914400" rtl="0" eaLnBrk="1" latinLnBrk="0" hangingPunct="1">
+      <a:defRPr sz="1200" kern="1200">
+        <a:solidFill>
+          <a:schemeClr val="tx1"/>
+        </a:solidFill>
+        <a:latin typeface="+mn-lt"/>
+        <a:ea typeface="+mn-ea"/>
+        <a:cs typeface="+mn-cs"/>
+      </a:defRPr>
+    </a:lvl3pPr>
+    <a:lvl4pPr marL="1371600" algn="l" defTabSz="914400" rtl="0" eaLnBrk="1" latinLnBrk="0" hangingPunct="1">
+      <a:defRPr sz="1200" kern="1200">
+        <a:solidFill>
+          <a:schemeClr val="tx1"/>
+        </a:solidFill>
+        <a:latin typeface="+mn-lt"/>
+        <a:ea typeface="+mn-ea"/>
+        <a:cs typeface="+mn-cs"/>
+      </a:defRPr>
+    </a:lvl4pPr>
+    <a:lvl5pPr marL="1828800" algn="l" defTabSz="914400" rtl="0" eaLnBrk="1" latinLnBrk="0" hangingPunct="1">
+      <a:defRPr sz="1200" kern="1200">
+        <a:solidFill>
+          <a:schemeClr val="tx1"/>
+        </a:solidFill>
+        <a:latin typeface="+mn-lt"/>
+        <a:ea typeface="+mn-ea"/>
+        <a:cs typeface="+mn-cs"/>
+      </a:defRPr>
+    </a:lvl5pPr>
+    <a:lvl6pPr marL="2286000" algn="l" defTabSz="914400" rtl="0" eaLnBrk="1" latinLnBrk="0" hangingPunct="1">
+      <a:defRPr sz="1200" kern="1200">
+        <a:solidFill>
+          <a:schemeClr val="tx1"/>
+        </a:solidFill>
+        <a:latin typeface="+mn-lt"/>
+        <a:ea typeface="+mn-ea"/>
+        <a:cs typeface="+mn-cs"/>
+      </a:defRPr>
+    </a:lvl6pPr>
+    <a:lvl7pPr marL="2743200" algn="l" defTabSz="914400" rtl="0" eaLnBrk="1" latinLnBrk="0" hangingPunct="1">
+      <a:defRPr sz="1200" kern="1200">
+        <a:solidFill>
+          <a:schemeClr val="tx1"/>
+        </a:solidFill>
+        <a:latin typeface="+mn-lt"/>
+        <a:ea typeface="+mn-ea"/>
+        <a:cs typeface="+mn-cs"/>
+      </a:defRPr>
+    </a:lvl7pPr>
+    <a:lvl8pPr marL="3200400" algn="l" defTabSz="914400" rtl="0" eaLnBrk="1" latinLnBrk="0" hangingPunct="1">
+      <a:defRPr sz="1200" kern="1200">
+        <a:solidFill>
+          <a:schemeClr val="tx1"/>
+        </a:solidFill>
+        <a:latin typeface="+mn-lt"/>
+        <a:ea typeface="+mn-ea"/>
+        <a:cs typeface="+mn-cs"/>
+      </a:defRPr>
+    </a:lvl8pPr>
+    <a:lvl9pPr marL="3657600" algn="l" defTabSz="914400" rtl="0" eaLnBrk="1" latinLnBrk="0" hangingPunct="1">
+      <a:defRPr sz="1200" kern="1200">
+        <a:solidFill>
+          <a:schemeClr val="tx1"/>
+        </a:solidFill>
+        <a:latin typeface="+mn-lt"/>
+        <a:ea typeface="+mn-ea"/>
+        <a:cs typeface="+mn-cs"/>
+      </a:defRPr>
+    </a:lvl9pPr>
+  </p:notesStyle>
+</p:notesMaster>
+</file>
+
+<file path=ppt/notesSlides/notesSlide1.xml><?xml version="1.0" encoding="utf-8"?>
+<p:notes xmlns:a="http://schemas.openxmlformats.org/drawingml/2006/main" xmlns:r="http://schemas.openxmlformats.org/officeDocument/2006/relationships" xmlns:p="http://schemas.openxmlformats.org/presentationml/2006/main">
+  <p:cSld>
+    <p:spTree>
+      <p:nvGrpSpPr>
+        <p:cNvPr id="1" name=""/>
+        <p:cNvGrpSpPr/>
+        <p:nvPr/>
+      </p:nvGrpSpPr>
+      <p:grpSpPr>
+        <a:xfrm>
+          <a:off x="0" y="0"/>
+          <a:ext cx="0" cy="0"/>
+          <a:chOff x="0" y="0"/>
+          <a:chExt cx="0" cy="0"/>
+        </a:xfrm>
+      </p:grpSpPr>
+      <p:sp>
+        <p:nvSpPr>
+          <p:cNvPr id="2" name="Espaço Reservado para Imagem de Slide 1"/>
+          <p:cNvSpPr>
+            <a:spLocks noGrp="1" noRot="1" noChangeAspect="1"/>
+          </p:cNvSpPr>
+          <p:nvPr>
+            <p:ph type="sldImg"/>
+          </p:nvPr>
+        </p:nvSpPr>
+        <p:spPr/>
+      </p:sp>
+      <p:sp>
+        <p:nvSpPr>
+          <p:cNvPr id="3" name="Espaço Reservado para Anotações 2"/>
+          <p:cNvSpPr>
+            <a:spLocks noGrp="1"/>
+          </p:cNvSpPr>
+          <p:nvPr>
+            <p:ph type="body" idx="1"/>
+          </p:nvPr>
+        </p:nvSpPr>
+        <p:spPr/>
+        <p:txBody>
+          <a:bodyPr/>
+          <a:lstStyle/>
+          <a:p>
+            <a:endParaRPr lang="pt-BR" dirty="0"/>
+          </a:p>
+        </p:txBody>
+      </p:sp>
+      <p:sp>
+        <p:nvSpPr>
+          <p:cNvPr id="4" name="Espaço Reservado para Número de Slide 3"/>
+          <p:cNvSpPr>
+            <a:spLocks noGrp="1"/>
+          </p:cNvSpPr>
+          <p:nvPr>
+            <p:ph type="sldNum" sz="quarter" idx="5"/>
+          </p:nvPr>
+        </p:nvSpPr>
+        <p:spPr/>
+        <p:txBody>
+          <a:bodyPr/>
+          <a:lstStyle/>
+          <a:p>
+            <a:fld id="{68AEE255-15B4-49F8-96F7-E5FC774C6881}" type="slidenum">
+              <a:rPr lang="pt-BR" smtClean="0"/>
+              <a:t>3</a:t>
+            </a:fld>
+            <a:endParaRPr lang="pt-BR"/>
+          </a:p>
+        </p:txBody>
+      </p:sp>
+    </p:spTree>
+    <p:extLst>
+      <p:ext uri="{BB962C8B-B14F-4D97-AF65-F5344CB8AC3E}">
+        <p14:creationId xmlns:p14="http://schemas.microsoft.com/office/powerpoint/2010/main" val="1875002607"/>
+      </p:ext>
+    </p:extLst>
+  </p:cSld>
+  <p:clrMapOvr>
+    <a:masterClrMapping/>
+  </p:clrMapOvr>
+</p:notes>
 </file>
 
 <file path=ppt/slideLayouts/slideLayout1.xml><?xml version="1.0" encoding="utf-8"?>
@@ -5009,7 +5445,7 @@
           <a:noFill/>
           <a:extLst>
             <a:ext uri="{909E8E84-426E-40dd-AFC4-6F175D3DCCD1}">
-              <a14:hiddenFill xmlns:a14="http://schemas.microsoft.com/office/drawing/2010/main" xmlns="">
+              <a14:hiddenFill xmlns="" xmlns:a14="http://schemas.microsoft.com/office/drawing/2010/main">
                 <a:solidFill>
                   <a:srgbClr val="FFFFFF"/>
                 </a:solidFill>
@@ -5069,7 +5505,7 @@
             </a:ln>
             <a:extLst>
               <a:ext uri="{91240B29-F687-4f45-9708-019B960494DF}">
-                <a14:hiddenLine xmlns:a14="http://schemas.microsoft.com/office/drawing/2010/main" xmlns="" w="9525">
+                <a14:hiddenLine xmlns="" xmlns:a14="http://schemas.microsoft.com/office/drawing/2010/main" w="9525">
                   <a:solidFill>
                     <a:srgbClr val="000000"/>
                   </a:solidFill>
@@ -5159,7 +5595,7 @@
             </a:ln>
             <a:extLst>
               <a:ext uri="{91240B29-F687-4f45-9708-019B960494DF}">
-                <a14:hiddenLine xmlns:a14="http://schemas.microsoft.com/office/drawing/2010/main" xmlns="" w="9525">
+                <a14:hiddenLine xmlns="" xmlns:a14="http://schemas.microsoft.com/office/drawing/2010/main" w="9525">
                   <a:solidFill>
                     <a:srgbClr val="000000"/>
                   </a:solidFill>
@@ -5249,7 +5685,7 @@
             </a:ln>
             <a:extLst>
               <a:ext uri="{91240B29-F687-4f45-9708-019B960494DF}">
-                <a14:hiddenLine xmlns:a14="http://schemas.microsoft.com/office/drawing/2010/main" xmlns="" w="9525">
+                <a14:hiddenLine xmlns="" xmlns:a14="http://schemas.microsoft.com/office/drawing/2010/main" w="9525">
                   <a:solidFill>
                     <a:srgbClr val="000000"/>
                   </a:solidFill>
@@ -5283,7 +5719,7 @@
             </a:ln>
             <a:extLst>
               <a:ext uri="{91240B29-F687-4f45-9708-019B960494DF}">
-                <a14:hiddenLine xmlns:a14="http://schemas.microsoft.com/office/drawing/2010/main" xmlns="" w="9525">
+                <a14:hiddenLine xmlns="" xmlns:a14="http://schemas.microsoft.com/office/drawing/2010/main" w="9525">
                   <a:solidFill>
                     <a:srgbClr val="000000"/>
                   </a:solidFill>
@@ -5373,7 +5809,7 @@
             </a:ln>
             <a:extLst>
               <a:ext uri="{91240B29-F687-4f45-9708-019B960494DF}">
-                <a14:hiddenLine xmlns:a14="http://schemas.microsoft.com/office/drawing/2010/main" xmlns="" w="9525">
+                <a14:hiddenLine xmlns="" xmlns:a14="http://schemas.microsoft.com/office/drawing/2010/main" w="9525">
                   <a:solidFill>
                     <a:srgbClr val="000000"/>
                   </a:solidFill>
@@ -5435,7 +5871,7 @@
             </a:ln>
             <a:extLst>
               <a:ext uri="{91240B29-F687-4f45-9708-019B960494DF}">
-                <a14:hiddenLine xmlns:a14="http://schemas.microsoft.com/office/drawing/2010/main" xmlns="" w="9525">
+                <a14:hiddenLine xmlns="" xmlns:a14="http://schemas.microsoft.com/office/drawing/2010/main" w="9525">
                   <a:solidFill>
                     <a:srgbClr val="000000"/>
                   </a:solidFill>
@@ -5497,7 +5933,7 @@
             </a:ln>
             <a:extLst>
               <a:ext uri="{91240B29-F687-4f45-9708-019B960494DF}">
-                <a14:hiddenLine xmlns:a14="http://schemas.microsoft.com/office/drawing/2010/main" xmlns="" w="9525">
+                <a14:hiddenLine xmlns="" xmlns:a14="http://schemas.microsoft.com/office/drawing/2010/main" w="9525">
                   <a:solidFill>
                     <a:srgbClr val="000000"/>
                   </a:solidFill>
@@ -5587,7 +6023,7 @@
             </a:ln>
             <a:extLst>
               <a:ext uri="{91240B29-F687-4f45-9708-019B960494DF}">
-                <a14:hiddenLine xmlns:a14="http://schemas.microsoft.com/office/drawing/2010/main" xmlns="" w="9525">
+                <a14:hiddenLine xmlns="" xmlns:a14="http://schemas.microsoft.com/office/drawing/2010/main" w="9525">
                   <a:solidFill>
                     <a:srgbClr val="000000"/>
                   </a:solidFill>
@@ -5649,7 +6085,7 @@
             </a:ln>
             <a:extLst>
               <a:ext uri="{91240B29-F687-4f45-9708-019B960494DF}">
-                <a14:hiddenLine xmlns:a14="http://schemas.microsoft.com/office/drawing/2010/main" xmlns="" w="9525">
+                <a14:hiddenLine xmlns="" xmlns:a14="http://schemas.microsoft.com/office/drawing/2010/main" w="9525">
                   <a:solidFill>
                     <a:srgbClr val="000000"/>
                   </a:solidFill>
@@ -5711,7 +6147,7 @@
             </a:ln>
             <a:extLst>
               <a:ext uri="{91240B29-F687-4f45-9708-019B960494DF}">
-                <a14:hiddenLine xmlns:a14="http://schemas.microsoft.com/office/drawing/2010/main" xmlns="" w="9525">
+                <a14:hiddenLine xmlns="" xmlns:a14="http://schemas.microsoft.com/office/drawing/2010/main" w="9525">
                   <a:solidFill>
                     <a:srgbClr val="000000"/>
                   </a:solidFill>
@@ -5801,7 +6237,7 @@
             </a:ln>
             <a:extLst>
               <a:ext uri="{91240B29-F687-4f45-9708-019B960494DF}">
-                <a14:hiddenLine xmlns:a14="http://schemas.microsoft.com/office/drawing/2010/main" xmlns="" w="9525">
+                <a14:hiddenLine xmlns="" xmlns:a14="http://schemas.microsoft.com/office/drawing/2010/main" w="9525">
                   <a:solidFill>
                     <a:srgbClr val="000000"/>
                   </a:solidFill>
@@ -5891,7 +6327,7 @@
             </a:ln>
             <a:extLst>
               <a:ext uri="{91240B29-F687-4f45-9708-019B960494DF}">
-                <a14:hiddenLine xmlns:a14="http://schemas.microsoft.com/office/drawing/2010/main" xmlns="" w="9525">
+                <a14:hiddenLine xmlns="" xmlns:a14="http://schemas.microsoft.com/office/drawing/2010/main" w="9525">
                   <a:solidFill>
                     <a:srgbClr val="000000"/>
                   </a:solidFill>
@@ -5953,7 +6389,7 @@
             </a:ln>
             <a:extLst>
               <a:ext uri="{91240B29-F687-4f45-9708-019B960494DF}">
-                <a14:hiddenLine xmlns:a14="http://schemas.microsoft.com/office/drawing/2010/main" xmlns="" w="9525">
+                <a14:hiddenLine xmlns="" xmlns:a14="http://schemas.microsoft.com/office/drawing/2010/main" w="9525">
                   <a:solidFill>
                     <a:srgbClr val="000000"/>
                   </a:solidFill>
@@ -6063,7 +6499,7 @@
             </a:ln>
             <a:extLst>
               <a:ext uri="{91240B29-F687-4f45-9708-019B960494DF}">
-                <a14:hiddenLine xmlns:a14="http://schemas.microsoft.com/office/drawing/2010/main" xmlns="" w="9525">
+                <a14:hiddenLine xmlns="" xmlns:a14="http://schemas.microsoft.com/office/drawing/2010/main" w="9525">
                   <a:solidFill>
                     <a:srgbClr val="000000"/>
                   </a:solidFill>
@@ -6125,7 +6561,7 @@
             </a:ln>
             <a:extLst>
               <a:ext uri="{91240B29-F687-4f45-9708-019B960494DF}">
-                <a14:hiddenLine xmlns:a14="http://schemas.microsoft.com/office/drawing/2010/main" xmlns="" w="9525">
+                <a14:hiddenLine xmlns="" xmlns:a14="http://schemas.microsoft.com/office/drawing/2010/main" w="9525">
                   <a:solidFill>
                     <a:srgbClr val="000000"/>
                   </a:solidFill>
@@ -6215,7 +6651,7 @@
             </a:ln>
             <a:extLst>
               <a:ext uri="{91240B29-F687-4f45-9708-019B960494DF}">
-                <a14:hiddenLine xmlns:a14="http://schemas.microsoft.com/office/drawing/2010/main" xmlns="" w="9525">
+                <a14:hiddenLine xmlns="" xmlns:a14="http://schemas.microsoft.com/office/drawing/2010/main" w="9525">
                   <a:solidFill>
                     <a:srgbClr val="000000"/>
                   </a:solidFill>
@@ -6305,7 +6741,7 @@
             </a:ln>
             <a:extLst>
               <a:ext uri="{91240B29-F687-4f45-9708-019B960494DF}">
-                <a14:hiddenLine xmlns:a14="http://schemas.microsoft.com/office/drawing/2010/main" xmlns="" w="9525">
+                <a14:hiddenLine xmlns="" xmlns:a14="http://schemas.microsoft.com/office/drawing/2010/main" w="9525">
                   <a:solidFill>
                     <a:srgbClr val="000000"/>
                   </a:solidFill>
@@ -6367,7 +6803,7 @@
             </a:ln>
             <a:extLst>
               <a:ext uri="{91240B29-F687-4f45-9708-019B960494DF}">
-                <a14:hiddenLine xmlns:a14="http://schemas.microsoft.com/office/drawing/2010/main" xmlns="" w="9525">
+                <a14:hiddenLine xmlns="" xmlns:a14="http://schemas.microsoft.com/office/drawing/2010/main" w="9525">
                   <a:solidFill>
                     <a:srgbClr val="000000"/>
                   </a:solidFill>
@@ -6457,7 +6893,7 @@
             </a:ln>
             <a:extLst>
               <a:ext uri="{91240B29-F687-4f45-9708-019B960494DF}">
-                <a14:hiddenLine xmlns:a14="http://schemas.microsoft.com/office/drawing/2010/main" xmlns="" w="9525">
+                <a14:hiddenLine xmlns="" xmlns:a14="http://schemas.microsoft.com/office/drawing/2010/main" w="9525">
                   <a:solidFill>
                     <a:srgbClr val="000000"/>
                   </a:solidFill>
@@ -6547,7 +6983,7 @@
             </a:ln>
             <a:extLst>
               <a:ext uri="{91240B29-F687-4f45-9708-019B960494DF}">
-                <a14:hiddenLine xmlns:a14="http://schemas.microsoft.com/office/drawing/2010/main" xmlns="" w="9525">
+                <a14:hiddenLine xmlns="" xmlns:a14="http://schemas.microsoft.com/office/drawing/2010/main" w="9525">
                   <a:solidFill>
                     <a:srgbClr val="000000"/>
                   </a:solidFill>
@@ -6603,7 +7039,7 @@
             </a:ln>
             <a:extLst>
               <a:ext uri="{91240B29-F687-4f45-9708-019B960494DF}">
-                <a14:hiddenLine xmlns:a14="http://schemas.microsoft.com/office/drawing/2010/main" xmlns="" w="9525">
+                <a14:hiddenLine xmlns="" xmlns:a14="http://schemas.microsoft.com/office/drawing/2010/main" w="9525">
                   <a:solidFill>
                     <a:srgbClr val="000000"/>
                   </a:solidFill>
@@ -6693,7 +7129,7 @@
             </a:ln>
             <a:extLst>
               <a:ext uri="{91240B29-F687-4f45-9708-019B960494DF}">
-                <a14:hiddenLine xmlns:a14="http://schemas.microsoft.com/office/drawing/2010/main" xmlns="" w="9525">
+                <a14:hiddenLine xmlns="" xmlns:a14="http://schemas.microsoft.com/office/drawing/2010/main" w="9525">
                   <a:solidFill>
                     <a:srgbClr val="000000"/>
                   </a:solidFill>
@@ -6749,7 +7185,7 @@
             </a:ln>
             <a:extLst>
               <a:ext uri="{91240B29-F687-4f45-9708-019B960494DF}">
-                <a14:hiddenLine xmlns:a14="http://schemas.microsoft.com/office/drawing/2010/main" xmlns="" w="9525">
+                <a14:hiddenLine xmlns="" xmlns:a14="http://schemas.microsoft.com/office/drawing/2010/main" w="9525">
                   <a:solidFill>
                     <a:srgbClr val="000000"/>
                   </a:solidFill>
@@ -6839,7 +7275,7 @@
             </a:ln>
             <a:extLst>
               <a:ext uri="{91240B29-F687-4f45-9708-019B960494DF}">
-                <a14:hiddenLine xmlns:a14="http://schemas.microsoft.com/office/drawing/2010/main" xmlns="" w="9525">
+                <a14:hiddenLine xmlns="" xmlns:a14="http://schemas.microsoft.com/office/drawing/2010/main" w="9525">
                   <a:solidFill>
                     <a:srgbClr val="000000"/>
                   </a:solidFill>
@@ -6907,7 +7343,7 @@
             </a:ln>
             <a:extLst>
               <a:ext uri="{91240B29-F687-4f45-9708-019B960494DF}">
-                <a14:hiddenLine xmlns:a14="http://schemas.microsoft.com/office/drawing/2010/main" xmlns="" w="9525">
+                <a14:hiddenLine xmlns="" xmlns:a14="http://schemas.microsoft.com/office/drawing/2010/main" w="9525">
                   <a:solidFill>
                     <a:srgbClr val="000000"/>
                   </a:solidFill>
@@ -6997,7 +7433,7 @@
             </a:ln>
             <a:extLst>
               <a:ext uri="{91240B29-F687-4f45-9708-019B960494DF}">
-                <a14:hiddenLine xmlns:a14="http://schemas.microsoft.com/office/drawing/2010/main" xmlns="" w="9525">
+                <a14:hiddenLine xmlns="" xmlns:a14="http://schemas.microsoft.com/office/drawing/2010/main" w="9525">
                   <a:solidFill>
                     <a:srgbClr val="000000"/>
                   </a:solidFill>
@@ -7065,7 +7501,7 @@
             </a:ln>
             <a:extLst>
               <a:ext uri="{91240B29-F687-4f45-9708-019B960494DF}">
-                <a14:hiddenLine xmlns:a14="http://schemas.microsoft.com/office/drawing/2010/main" xmlns="" w="9525">
+                <a14:hiddenLine xmlns="" xmlns:a14="http://schemas.microsoft.com/office/drawing/2010/main" w="9525">
                   <a:solidFill>
                     <a:srgbClr val="000000"/>
                   </a:solidFill>
@@ -7155,7 +7591,7 @@
             </a:ln>
             <a:extLst>
               <a:ext uri="{91240B29-F687-4f45-9708-019B960494DF}">
-                <a14:hiddenLine xmlns:a14="http://schemas.microsoft.com/office/drawing/2010/main" xmlns="" w="9525">
+                <a14:hiddenLine xmlns="" xmlns:a14="http://schemas.microsoft.com/office/drawing/2010/main" w="9525">
                   <a:solidFill>
                     <a:srgbClr val="000000"/>
                   </a:solidFill>
@@ -7189,7 +7625,7 @@
             </a:ln>
             <a:extLst>
               <a:ext uri="{91240B29-F687-4f45-9708-019B960494DF}">
-                <a14:hiddenLine xmlns:a14="http://schemas.microsoft.com/office/drawing/2010/main" xmlns="" w="9525">
+                <a14:hiddenLine xmlns="" xmlns:a14="http://schemas.microsoft.com/office/drawing/2010/main" w="9525">
                   <a:solidFill>
                     <a:srgbClr val="000000"/>
                   </a:solidFill>
@@ -7279,7 +7715,7 @@
             </a:ln>
             <a:extLst>
               <a:ext uri="{91240B29-F687-4f45-9708-019B960494DF}">
-                <a14:hiddenLine xmlns:a14="http://schemas.microsoft.com/office/drawing/2010/main" xmlns="" w="9525">
+                <a14:hiddenLine xmlns="" xmlns:a14="http://schemas.microsoft.com/office/drawing/2010/main" w="9525">
                   <a:solidFill>
                     <a:srgbClr val="000000"/>
                   </a:solidFill>
@@ -7341,7 +7777,7 @@
             </a:ln>
             <a:extLst>
               <a:ext uri="{91240B29-F687-4f45-9708-019B960494DF}">
-                <a14:hiddenLine xmlns:a14="http://schemas.microsoft.com/office/drawing/2010/main" xmlns="" w="9525">
+                <a14:hiddenLine xmlns="" xmlns:a14="http://schemas.microsoft.com/office/drawing/2010/main" w="9525">
                   <a:solidFill>
                     <a:srgbClr val="000000"/>
                   </a:solidFill>
@@ -7403,7 +7839,7 @@
             </a:ln>
             <a:extLst>
               <a:ext uri="{91240B29-F687-4f45-9708-019B960494DF}">
-                <a14:hiddenLine xmlns:a14="http://schemas.microsoft.com/office/drawing/2010/main" xmlns="" w="9525">
+                <a14:hiddenLine xmlns="" xmlns:a14="http://schemas.microsoft.com/office/drawing/2010/main" w="9525">
                   <a:solidFill>
                     <a:srgbClr val="000000"/>
                   </a:solidFill>
@@ -7493,7 +7929,7 @@
             </a:ln>
             <a:extLst>
               <a:ext uri="{91240B29-F687-4f45-9708-019B960494DF}">
-                <a14:hiddenLine xmlns:a14="http://schemas.microsoft.com/office/drawing/2010/main" xmlns="" w="9525">
+                <a14:hiddenLine xmlns="" xmlns:a14="http://schemas.microsoft.com/office/drawing/2010/main" w="9525">
                   <a:solidFill>
                     <a:srgbClr val="000000"/>
                   </a:solidFill>
@@ -7561,7 +7997,7 @@
             </a:ln>
             <a:extLst>
               <a:ext uri="{91240B29-F687-4f45-9708-019B960494DF}">
-                <a14:hiddenLine xmlns:a14="http://schemas.microsoft.com/office/drawing/2010/main" xmlns="" w="9525">
+                <a14:hiddenLine xmlns="" xmlns:a14="http://schemas.microsoft.com/office/drawing/2010/main" w="9525">
                   <a:solidFill>
                     <a:srgbClr val="000000"/>
                   </a:solidFill>
@@ -7623,7 +8059,7 @@
             </a:ln>
             <a:extLst>
               <a:ext uri="{91240B29-F687-4f45-9708-019B960494DF}">
-                <a14:hiddenLine xmlns:a14="http://schemas.microsoft.com/office/drawing/2010/main" xmlns="" w="9525">
+                <a14:hiddenLine xmlns="" xmlns:a14="http://schemas.microsoft.com/office/drawing/2010/main" w="9525">
                   <a:solidFill>
                     <a:srgbClr val="000000"/>
                   </a:solidFill>
@@ -7713,7 +8149,7 @@
             </a:ln>
             <a:extLst>
               <a:ext uri="{91240B29-F687-4f45-9708-019B960494DF}">
-                <a14:hiddenLine xmlns:a14="http://schemas.microsoft.com/office/drawing/2010/main" xmlns="" w="9525">
+                <a14:hiddenLine xmlns="" xmlns:a14="http://schemas.microsoft.com/office/drawing/2010/main" w="9525">
                   <a:solidFill>
                     <a:srgbClr val="000000"/>
                   </a:solidFill>
@@ -7775,7 +8211,7 @@
             </a:ln>
             <a:extLst>
               <a:ext uri="{91240B29-F687-4f45-9708-019B960494DF}">
-                <a14:hiddenLine xmlns:a14="http://schemas.microsoft.com/office/drawing/2010/main" xmlns="" w="9525">
+                <a14:hiddenLine xmlns="" xmlns:a14="http://schemas.microsoft.com/office/drawing/2010/main" w="9525">
                   <a:solidFill>
                     <a:srgbClr val="000000"/>
                   </a:solidFill>
@@ -7865,7 +8301,7 @@
             </a:ln>
             <a:extLst>
               <a:ext uri="{91240B29-F687-4f45-9708-019B960494DF}">
-                <a14:hiddenLine xmlns:a14="http://schemas.microsoft.com/office/drawing/2010/main" xmlns="" w="9525">
+                <a14:hiddenLine xmlns="" xmlns:a14="http://schemas.microsoft.com/office/drawing/2010/main" w="9525">
                   <a:solidFill>
                     <a:srgbClr val="000000"/>
                   </a:solidFill>
@@ -7927,7 +8363,7 @@
             </a:ln>
             <a:extLst>
               <a:ext uri="{91240B29-F687-4f45-9708-019B960494DF}">
-                <a14:hiddenLine xmlns:a14="http://schemas.microsoft.com/office/drawing/2010/main" xmlns="" w="9525">
+                <a14:hiddenLine xmlns="" xmlns:a14="http://schemas.microsoft.com/office/drawing/2010/main" w="9525">
                   <a:solidFill>
                     <a:srgbClr val="000000"/>
                   </a:solidFill>
@@ -8017,7 +8453,7 @@
             </a:ln>
             <a:extLst>
               <a:ext uri="{91240B29-F687-4f45-9708-019B960494DF}">
-                <a14:hiddenLine xmlns:a14="http://schemas.microsoft.com/office/drawing/2010/main" xmlns="" w="9525">
+                <a14:hiddenLine xmlns="" xmlns:a14="http://schemas.microsoft.com/office/drawing/2010/main" w="9525">
                   <a:solidFill>
                     <a:srgbClr val="000000"/>
                   </a:solidFill>
@@ -8051,7 +8487,7 @@
             </a:ln>
             <a:extLst>
               <a:ext uri="{91240B29-F687-4f45-9708-019B960494DF}">
-                <a14:hiddenLine xmlns:a14="http://schemas.microsoft.com/office/drawing/2010/main" xmlns="" w="9525">
+                <a14:hiddenLine xmlns="" xmlns:a14="http://schemas.microsoft.com/office/drawing/2010/main" w="9525">
                   <a:solidFill>
                     <a:srgbClr val="000000"/>
                   </a:solidFill>
@@ -8116,7 +8552,7 @@
             </a:ln>
             <a:extLst>
               <a:ext uri="{91240B29-F687-4f45-9708-019B960494DF}">
-                <a14:hiddenLine xmlns:a14="http://schemas.microsoft.com/office/drawing/2010/main" xmlns="" w="9525">
+                <a14:hiddenLine xmlns="" xmlns:a14="http://schemas.microsoft.com/office/drawing/2010/main" w="9525">
                   <a:solidFill>
                     <a:srgbClr val="000000"/>
                   </a:solidFill>
@@ -8206,7 +8642,7 @@
             </a:ln>
             <a:extLst>
               <a:ext uri="{91240B29-F687-4f45-9708-019B960494DF}">
-                <a14:hiddenLine xmlns:a14="http://schemas.microsoft.com/office/drawing/2010/main" xmlns="" w="9525">
+                <a14:hiddenLine xmlns="" xmlns:a14="http://schemas.microsoft.com/office/drawing/2010/main" w="9525">
                   <a:solidFill>
                     <a:srgbClr val="000000"/>
                   </a:solidFill>
@@ -8268,7 +8704,7 @@
             </a:ln>
             <a:extLst>
               <a:ext uri="{91240B29-F687-4f45-9708-019B960494DF}">
-                <a14:hiddenLine xmlns:a14="http://schemas.microsoft.com/office/drawing/2010/main" xmlns="" w="9525">
+                <a14:hiddenLine xmlns="" xmlns:a14="http://schemas.microsoft.com/office/drawing/2010/main" w="9525">
                   <a:solidFill>
                     <a:srgbClr val="000000"/>
                   </a:solidFill>
@@ -8358,7 +8794,7 @@
             </a:ln>
             <a:extLst>
               <a:ext uri="{91240B29-F687-4f45-9708-019B960494DF}">
-                <a14:hiddenLine xmlns:a14="http://schemas.microsoft.com/office/drawing/2010/main" xmlns="" w="9525">
+                <a14:hiddenLine xmlns="" xmlns:a14="http://schemas.microsoft.com/office/drawing/2010/main" w="9525">
                   <a:solidFill>
                     <a:srgbClr val="000000"/>
                   </a:solidFill>
@@ -8448,7 +8884,7 @@
             </a:ln>
             <a:extLst>
               <a:ext uri="{91240B29-F687-4f45-9708-019B960494DF}">
-                <a14:hiddenLine xmlns:a14="http://schemas.microsoft.com/office/drawing/2010/main" xmlns="" w="9525">
+                <a14:hiddenLine xmlns="" xmlns:a14="http://schemas.microsoft.com/office/drawing/2010/main" w="9525">
                   <a:solidFill>
                     <a:srgbClr val="000000"/>
                   </a:solidFill>
@@ -8513,7 +8949,7 @@
             </a:ln>
             <a:extLst>
               <a:ext uri="{91240B29-F687-4f45-9708-019B960494DF}">
-                <a14:hiddenLine xmlns:a14="http://schemas.microsoft.com/office/drawing/2010/main" xmlns="" w="9525">
+                <a14:hiddenLine xmlns="" xmlns:a14="http://schemas.microsoft.com/office/drawing/2010/main" w="9525">
                   <a:solidFill>
                     <a:srgbClr val="000000"/>
                   </a:solidFill>
@@ -8575,7 +9011,7 @@
             </a:ln>
             <a:extLst>
               <a:ext uri="{91240B29-F687-4f45-9708-019B960494DF}">
-                <a14:hiddenLine xmlns:a14="http://schemas.microsoft.com/office/drawing/2010/main" xmlns="" w="9525">
+                <a14:hiddenLine xmlns="" xmlns:a14="http://schemas.microsoft.com/office/drawing/2010/main" w="9525">
                   <a:solidFill>
                     <a:srgbClr val="000000"/>
                   </a:solidFill>
@@ -8665,7 +9101,7 @@
             </a:ln>
             <a:extLst>
               <a:ext uri="{91240B29-F687-4f45-9708-019B960494DF}">
-                <a14:hiddenLine xmlns:a14="http://schemas.microsoft.com/office/drawing/2010/main" xmlns="" w="9525">
+                <a14:hiddenLine xmlns="" xmlns:a14="http://schemas.microsoft.com/office/drawing/2010/main" w="9525">
                   <a:solidFill>
                     <a:srgbClr val="000000"/>
                   </a:solidFill>
@@ -8755,7 +9191,7 @@
             </a:ln>
             <a:extLst>
               <a:ext uri="{91240B29-F687-4f45-9708-019B960494DF}">
-                <a14:hiddenLine xmlns:a14="http://schemas.microsoft.com/office/drawing/2010/main" xmlns="" w="9525">
+                <a14:hiddenLine xmlns="" xmlns:a14="http://schemas.microsoft.com/office/drawing/2010/main" w="9525">
                   <a:solidFill>
                     <a:srgbClr val="000000"/>
                   </a:solidFill>
@@ -8817,7 +9253,7 @@
             </a:ln>
             <a:extLst>
               <a:ext uri="{91240B29-F687-4f45-9708-019B960494DF}">
-                <a14:hiddenLine xmlns:a14="http://schemas.microsoft.com/office/drawing/2010/main" xmlns="" w="9525">
+                <a14:hiddenLine xmlns="" xmlns:a14="http://schemas.microsoft.com/office/drawing/2010/main" w="9525">
                   <a:solidFill>
                     <a:srgbClr val="000000"/>
                   </a:solidFill>
@@ -8937,7 +9373,7 @@
             </a:ln>
             <a:extLst>
               <a:ext uri="{91240B29-F687-4f45-9708-019B960494DF}">
-                <a14:hiddenLine xmlns:a14="http://schemas.microsoft.com/office/drawing/2010/main" xmlns="" w="9525">
+                <a14:hiddenLine xmlns="" xmlns:a14="http://schemas.microsoft.com/office/drawing/2010/main" w="9525">
                   <a:solidFill>
                     <a:srgbClr val="000000"/>
                   </a:solidFill>
@@ -9005,7 +9441,7 @@
             </a:ln>
             <a:extLst>
               <a:ext uri="{91240B29-F687-4f45-9708-019B960494DF}">
-                <a14:hiddenLine xmlns:a14="http://schemas.microsoft.com/office/drawing/2010/main" xmlns="" w="9525">
+                <a14:hiddenLine xmlns="" xmlns:a14="http://schemas.microsoft.com/office/drawing/2010/main" w="9525">
                   <a:solidFill>
                     <a:srgbClr val="000000"/>
                   </a:solidFill>
@@ -9095,7 +9531,7 @@
             </a:ln>
             <a:extLst>
               <a:ext uri="{91240B29-F687-4f45-9708-019B960494DF}">
-                <a14:hiddenLine xmlns:a14="http://schemas.microsoft.com/office/drawing/2010/main" xmlns="" w="9525">
+                <a14:hiddenLine xmlns="" xmlns:a14="http://schemas.microsoft.com/office/drawing/2010/main" w="9525">
                   <a:solidFill>
                     <a:srgbClr val="000000"/>
                   </a:solidFill>
@@ -16554,7 +16990,7 @@
           <a:noFill/>
           <a:extLst>
             <a:ext uri="{909E8E84-426E-40dd-AFC4-6F175D3DCCD1}">
-              <a14:hiddenFill xmlns:a14="http://schemas.microsoft.com/office/drawing/2010/main" xmlns="">
+              <a14:hiddenFill xmlns="" xmlns:a14="http://schemas.microsoft.com/office/drawing/2010/main">
                 <a:solidFill>
                   <a:srgbClr val="FFFFFF"/>
                 </a:solidFill>
@@ -16628,7 +17064,7 @@
               </a:ln>
               <a:extLst>
                 <a:ext uri="{91240B29-F687-4f45-9708-019B960494DF}">
-                  <a14:hiddenLine xmlns:a14="http://schemas.microsoft.com/office/drawing/2010/main" xmlns="" w="9525">
+                  <a14:hiddenLine xmlns="" xmlns:a14="http://schemas.microsoft.com/office/drawing/2010/main" w="9525">
                     <a:solidFill>
                       <a:srgbClr val="000000"/>
                     </a:solidFill>
@@ -16718,7 +17154,7 @@
               </a:ln>
               <a:extLst>
                 <a:ext uri="{91240B29-F687-4f45-9708-019B960494DF}">
-                  <a14:hiddenLine xmlns:a14="http://schemas.microsoft.com/office/drawing/2010/main" xmlns="" w="9525">
+                  <a14:hiddenLine xmlns="" xmlns:a14="http://schemas.microsoft.com/office/drawing/2010/main" w="9525">
                     <a:solidFill>
                       <a:srgbClr val="000000"/>
                     </a:solidFill>
@@ -16808,7 +17244,7 @@
               </a:ln>
               <a:extLst>
                 <a:ext uri="{91240B29-F687-4f45-9708-019B960494DF}">
-                  <a14:hiddenLine xmlns:a14="http://schemas.microsoft.com/office/drawing/2010/main" xmlns="" w="9525">
+                  <a14:hiddenLine xmlns="" xmlns:a14="http://schemas.microsoft.com/office/drawing/2010/main" w="9525">
                     <a:solidFill>
                       <a:srgbClr val="000000"/>
                     </a:solidFill>
@@ -16870,7 +17306,7 @@
               </a:ln>
               <a:extLst>
                 <a:ext uri="{91240B29-F687-4f45-9708-019B960494DF}">
-                  <a14:hiddenLine xmlns:a14="http://schemas.microsoft.com/office/drawing/2010/main" xmlns="" w="9525">
+                  <a14:hiddenLine xmlns="" xmlns:a14="http://schemas.microsoft.com/office/drawing/2010/main" w="9525">
                     <a:solidFill>
                       <a:srgbClr val="000000"/>
                     </a:solidFill>
@@ -16960,7 +17396,7 @@
               </a:ln>
               <a:extLst>
                 <a:ext uri="{91240B29-F687-4f45-9708-019B960494DF}">
-                  <a14:hiddenLine xmlns:a14="http://schemas.microsoft.com/office/drawing/2010/main" xmlns="" w="9525">
+                  <a14:hiddenLine xmlns="" xmlns:a14="http://schemas.microsoft.com/office/drawing/2010/main" w="9525">
                     <a:solidFill>
                       <a:srgbClr val="000000"/>
                     </a:solidFill>
@@ -17022,7 +17458,7 @@
               </a:ln>
               <a:extLst>
                 <a:ext uri="{91240B29-F687-4f45-9708-019B960494DF}">
-                  <a14:hiddenLine xmlns:a14="http://schemas.microsoft.com/office/drawing/2010/main" xmlns="" w="9525">
+                  <a14:hiddenLine xmlns="" xmlns:a14="http://schemas.microsoft.com/office/drawing/2010/main" w="9525">
                     <a:solidFill>
                       <a:srgbClr val="000000"/>
                     </a:solidFill>
@@ -17084,7 +17520,7 @@
               </a:ln>
               <a:extLst>
                 <a:ext uri="{91240B29-F687-4f45-9708-019B960494DF}">
-                  <a14:hiddenLine xmlns:a14="http://schemas.microsoft.com/office/drawing/2010/main" xmlns="" w="9525">
+                  <a14:hiddenLine xmlns="" xmlns:a14="http://schemas.microsoft.com/office/drawing/2010/main" w="9525">
                     <a:solidFill>
                       <a:srgbClr val="000000"/>
                     </a:solidFill>
@@ -17174,7 +17610,7 @@
               </a:ln>
               <a:extLst>
                 <a:ext uri="{91240B29-F687-4f45-9708-019B960494DF}">
-                  <a14:hiddenLine xmlns:a14="http://schemas.microsoft.com/office/drawing/2010/main" xmlns="" w="9525">
+                  <a14:hiddenLine xmlns="" xmlns:a14="http://schemas.microsoft.com/office/drawing/2010/main" w="9525">
                     <a:solidFill>
                       <a:srgbClr val="000000"/>
                     </a:solidFill>
@@ -17264,7 +17700,7 @@
               </a:ln>
               <a:extLst>
                 <a:ext uri="{91240B29-F687-4f45-9708-019B960494DF}">
-                  <a14:hiddenLine xmlns:a14="http://schemas.microsoft.com/office/drawing/2010/main" xmlns="" w="9525">
+                  <a14:hiddenLine xmlns="" xmlns:a14="http://schemas.microsoft.com/office/drawing/2010/main" w="9525">
                     <a:solidFill>
                       <a:srgbClr val="000000"/>
                     </a:solidFill>
@@ -17326,7 +17762,7 @@
               </a:ln>
               <a:extLst>
                 <a:ext uri="{91240B29-F687-4f45-9708-019B960494DF}">
-                  <a14:hiddenLine xmlns:a14="http://schemas.microsoft.com/office/drawing/2010/main" xmlns="" w="9525">
+                  <a14:hiddenLine xmlns="" xmlns:a14="http://schemas.microsoft.com/office/drawing/2010/main" w="9525">
                     <a:solidFill>
                       <a:srgbClr val="000000"/>
                     </a:solidFill>
@@ -17436,7 +17872,7 @@
               </a:ln>
               <a:extLst>
                 <a:ext uri="{91240B29-F687-4f45-9708-019B960494DF}">
-                  <a14:hiddenLine xmlns:a14="http://schemas.microsoft.com/office/drawing/2010/main" xmlns="" w="9525">
+                  <a14:hiddenLine xmlns="" xmlns:a14="http://schemas.microsoft.com/office/drawing/2010/main" w="9525">
                     <a:solidFill>
                       <a:srgbClr val="000000"/>
                     </a:solidFill>
@@ -17520,7 +17956,7 @@
               </a:ln>
               <a:extLst>
                 <a:ext uri="{91240B29-F687-4f45-9708-019B960494DF}">
-                  <a14:hiddenLine xmlns:a14="http://schemas.microsoft.com/office/drawing/2010/main" xmlns="" w="9525">
+                  <a14:hiddenLine xmlns="" xmlns:a14="http://schemas.microsoft.com/office/drawing/2010/main" w="9525">
                     <a:solidFill>
                       <a:srgbClr val="000000"/>
                     </a:solidFill>
@@ -17582,7 +18018,7 @@
               </a:ln>
               <a:extLst>
                 <a:ext uri="{91240B29-F687-4f45-9708-019B960494DF}">
-                  <a14:hiddenLine xmlns:a14="http://schemas.microsoft.com/office/drawing/2010/main" xmlns="" w="9525">
+                  <a14:hiddenLine xmlns="" xmlns:a14="http://schemas.microsoft.com/office/drawing/2010/main" w="9525">
                     <a:solidFill>
                       <a:srgbClr val="000000"/>
                     </a:solidFill>
@@ -17644,7 +18080,7 @@
               </a:ln>
               <a:extLst>
                 <a:ext uri="{91240B29-F687-4f45-9708-019B960494DF}">
-                  <a14:hiddenLine xmlns:a14="http://schemas.microsoft.com/office/drawing/2010/main" xmlns="" w="9525">
+                  <a14:hiddenLine xmlns="" xmlns:a14="http://schemas.microsoft.com/office/drawing/2010/main" w="9525">
                     <a:solidFill>
                       <a:srgbClr val="000000"/>
                     </a:solidFill>
@@ -17734,7 +18170,7 @@
               </a:ln>
               <a:extLst>
                 <a:ext uri="{91240B29-F687-4f45-9708-019B960494DF}">
-                  <a14:hiddenLine xmlns:a14="http://schemas.microsoft.com/office/drawing/2010/main" xmlns="" w="9525">
+                  <a14:hiddenLine xmlns="" xmlns:a14="http://schemas.microsoft.com/office/drawing/2010/main" w="9525">
                     <a:solidFill>
                       <a:srgbClr val="000000"/>
                     </a:solidFill>
@@ -17768,7 +18204,7 @@
               </a:ln>
               <a:extLst>
                 <a:ext uri="{91240B29-F687-4f45-9708-019B960494DF}">
-                  <a14:hiddenLine xmlns:a14="http://schemas.microsoft.com/office/drawing/2010/main" xmlns="" w="9525">
+                  <a14:hiddenLine xmlns="" xmlns:a14="http://schemas.microsoft.com/office/drawing/2010/main" w="9525">
                     <a:solidFill>
                       <a:srgbClr val="000000"/>
                     </a:solidFill>
@@ -17833,7 +18269,7 @@
               </a:ln>
               <a:extLst>
                 <a:ext uri="{91240B29-F687-4f45-9708-019B960494DF}">
-                  <a14:hiddenLine xmlns:a14="http://schemas.microsoft.com/office/drawing/2010/main" xmlns="" w="9525">
+                  <a14:hiddenLine xmlns="" xmlns:a14="http://schemas.microsoft.com/office/drawing/2010/main" w="9525">
                     <a:solidFill>
                       <a:srgbClr val="000000"/>
                     </a:solidFill>
@@ -17923,7 +18359,7 @@
               </a:ln>
               <a:extLst>
                 <a:ext uri="{91240B29-F687-4f45-9708-019B960494DF}">
-                  <a14:hiddenLine xmlns:a14="http://schemas.microsoft.com/office/drawing/2010/main" xmlns="" w="9525">
+                  <a14:hiddenLine xmlns="" xmlns:a14="http://schemas.microsoft.com/office/drawing/2010/main" w="9525">
                     <a:solidFill>
                       <a:srgbClr val="000000"/>
                     </a:solidFill>
@@ -17985,7 +18421,7 @@
               </a:ln>
               <a:extLst>
                 <a:ext uri="{91240B29-F687-4f45-9708-019B960494DF}">
-                  <a14:hiddenLine xmlns:a14="http://schemas.microsoft.com/office/drawing/2010/main" xmlns="" w="9525">
+                  <a14:hiddenLine xmlns="" xmlns:a14="http://schemas.microsoft.com/office/drawing/2010/main" w="9525">
                     <a:solidFill>
                       <a:srgbClr val="000000"/>
                     </a:solidFill>
@@ -18075,7 +18511,7 @@
               </a:ln>
               <a:extLst>
                 <a:ext uri="{91240B29-F687-4f45-9708-019B960494DF}">
-                  <a14:hiddenLine xmlns:a14="http://schemas.microsoft.com/office/drawing/2010/main" xmlns="" w="9525">
+                  <a14:hiddenLine xmlns="" xmlns:a14="http://schemas.microsoft.com/office/drawing/2010/main" w="9525">
                     <a:solidFill>
                       <a:srgbClr val="000000"/>
                     </a:solidFill>
@@ -18140,7 +18576,7 @@
               </a:ln>
               <a:extLst>
                 <a:ext uri="{91240B29-F687-4f45-9708-019B960494DF}">
-                  <a14:hiddenLine xmlns:a14="http://schemas.microsoft.com/office/drawing/2010/main" xmlns="" w="9525">
+                  <a14:hiddenLine xmlns="" xmlns:a14="http://schemas.microsoft.com/office/drawing/2010/main" w="9525">
                     <a:solidFill>
                       <a:srgbClr val="000000"/>
                     </a:solidFill>
@@ -18202,7 +18638,7 @@
               </a:ln>
               <a:extLst>
                 <a:ext uri="{91240B29-F687-4f45-9708-019B960494DF}">
-                  <a14:hiddenLine xmlns:a14="http://schemas.microsoft.com/office/drawing/2010/main" xmlns="" w="9525">
+                  <a14:hiddenLine xmlns="" xmlns:a14="http://schemas.microsoft.com/office/drawing/2010/main" w="9525">
                     <a:solidFill>
                       <a:srgbClr val="000000"/>
                     </a:solidFill>
@@ -18292,7 +18728,7 @@
               </a:ln>
               <a:extLst>
                 <a:ext uri="{91240B29-F687-4f45-9708-019B960494DF}">
-                  <a14:hiddenLine xmlns:a14="http://schemas.microsoft.com/office/drawing/2010/main" xmlns="" w="9525">
+                  <a14:hiddenLine xmlns="" xmlns:a14="http://schemas.microsoft.com/office/drawing/2010/main" w="9525">
                     <a:solidFill>
                       <a:srgbClr val="000000"/>
                     </a:solidFill>
@@ -18382,7 +18818,7 @@
               </a:ln>
               <a:extLst>
                 <a:ext uri="{91240B29-F687-4f45-9708-019B960494DF}">
-                  <a14:hiddenLine xmlns:a14="http://schemas.microsoft.com/office/drawing/2010/main" xmlns="" w="9525">
+                  <a14:hiddenLine xmlns="" xmlns:a14="http://schemas.microsoft.com/office/drawing/2010/main" w="9525">
                     <a:solidFill>
                       <a:srgbClr val="000000"/>
                     </a:solidFill>
@@ -18447,7 +18883,7 @@
               </a:ln>
               <a:extLst>
                 <a:ext uri="{91240B29-F687-4f45-9708-019B960494DF}">
-                  <a14:hiddenLine xmlns:a14="http://schemas.microsoft.com/office/drawing/2010/main" xmlns="" w="9525">
+                  <a14:hiddenLine xmlns="" xmlns:a14="http://schemas.microsoft.com/office/drawing/2010/main" w="9525">
                     <a:solidFill>
                       <a:srgbClr val="000000"/>
                     </a:solidFill>
@@ -18567,7 +19003,7 @@
               </a:ln>
               <a:extLst>
                 <a:ext uri="{91240B29-F687-4f45-9708-019B960494DF}">
-                  <a14:hiddenLine xmlns:a14="http://schemas.microsoft.com/office/drawing/2010/main" xmlns="" w="9525">
+                  <a14:hiddenLine xmlns="" xmlns:a14="http://schemas.microsoft.com/office/drawing/2010/main" w="9525">
                     <a:solidFill>
                       <a:srgbClr val="000000"/>
                     </a:solidFill>
@@ -18665,7 +19101,7 @@
               </a:ln>
               <a:extLst>
                 <a:ext uri="{91240B29-F687-4f45-9708-019B960494DF}">
-                  <a14:hiddenLine xmlns:a14="http://schemas.microsoft.com/office/drawing/2010/main" xmlns="" w="9525">
+                  <a14:hiddenLine xmlns="" xmlns:a14="http://schemas.microsoft.com/office/drawing/2010/main" w="9525">
                     <a:solidFill>
                       <a:srgbClr val="000000"/>
                     </a:solidFill>
@@ -18780,7 +19216,7 @@
               </a:ln>
               <a:extLst>
                 <a:ext uri="{91240B29-F687-4f45-9708-019B960494DF}">
-                  <a14:hiddenLine xmlns:a14="http://schemas.microsoft.com/office/drawing/2010/main" xmlns="" w="9525">
+                  <a14:hiddenLine xmlns="" xmlns:a14="http://schemas.microsoft.com/office/drawing/2010/main" w="9525">
                     <a:solidFill>
                       <a:srgbClr val="000000"/>
                     </a:solidFill>
@@ -18870,7 +19306,7 @@
               </a:ln>
               <a:extLst>
                 <a:ext uri="{91240B29-F687-4f45-9708-019B960494DF}">
-                  <a14:hiddenLine xmlns:a14="http://schemas.microsoft.com/office/drawing/2010/main" xmlns="" w="9525">
+                  <a14:hiddenLine xmlns="" xmlns:a14="http://schemas.microsoft.com/office/drawing/2010/main" w="9525">
                     <a:solidFill>
                       <a:srgbClr val="000000"/>
                     </a:solidFill>
@@ -18935,7 +19371,7 @@
               </a:ln>
               <a:extLst>
                 <a:ext uri="{91240B29-F687-4f45-9708-019B960494DF}">
-                  <a14:hiddenLine xmlns:a14="http://schemas.microsoft.com/office/drawing/2010/main" xmlns="" w="9525">
+                  <a14:hiddenLine xmlns="" xmlns:a14="http://schemas.microsoft.com/office/drawing/2010/main" w="9525">
                     <a:solidFill>
                       <a:srgbClr val="000000"/>
                     </a:solidFill>
@@ -19025,7 +19461,7 @@
               </a:ln>
               <a:extLst>
                 <a:ext uri="{91240B29-F687-4f45-9708-019B960494DF}">
-                  <a14:hiddenLine xmlns:a14="http://schemas.microsoft.com/office/drawing/2010/main" xmlns="" w="9525">
+                  <a14:hiddenLine xmlns="" xmlns:a14="http://schemas.microsoft.com/office/drawing/2010/main" w="9525">
                     <a:solidFill>
                       <a:srgbClr val="000000"/>
                     </a:solidFill>
@@ -19093,7 +19529,7 @@
               </a:ln>
               <a:extLst>
                 <a:ext uri="{91240B29-F687-4f45-9708-019B960494DF}">
-                  <a14:hiddenLine xmlns:a14="http://schemas.microsoft.com/office/drawing/2010/main" xmlns="" w="9525">
+                  <a14:hiddenLine xmlns="" xmlns:a14="http://schemas.microsoft.com/office/drawing/2010/main" w="9525">
                     <a:solidFill>
                       <a:srgbClr val="000000"/>
                     </a:solidFill>
@@ -19183,7 +19619,7 @@
               </a:ln>
               <a:extLst>
                 <a:ext uri="{91240B29-F687-4f45-9708-019B960494DF}">
-                  <a14:hiddenLine xmlns:a14="http://schemas.microsoft.com/office/drawing/2010/main" xmlns="" w="9525">
+                  <a14:hiddenLine xmlns="" xmlns:a14="http://schemas.microsoft.com/office/drawing/2010/main" w="9525">
                     <a:solidFill>
                       <a:srgbClr val="000000"/>
                     </a:solidFill>
@@ -19251,7 +19687,7 @@
               </a:ln>
               <a:extLst>
                 <a:ext uri="{91240B29-F687-4f45-9708-019B960494DF}">
-                  <a14:hiddenLine xmlns:a14="http://schemas.microsoft.com/office/drawing/2010/main" xmlns="" w="9525">
+                  <a14:hiddenLine xmlns="" xmlns:a14="http://schemas.microsoft.com/office/drawing/2010/main" w="9525">
                     <a:solidFill>
                       <a:srgbClr val="000000"/>
                     </a:solidFill>
@@ -19341,7 +19777,7 @@
               </a:ln>
               <a:extLst>
                 <a:ext uri="{91240B29-F687-4f45-9708-019B960494DF}">
-                  <a14:hiddenLine xmlns:a14="http://schemas.microsoft.com/office/drawing/2010/main" xmlns="" w="9525">
+                  <a14:hiddenLine xmlns="" xmlns:a14="http://schemas.microsoft.com/office/drawing/2010/main" w="9525">
                     <a:solidFill>
                       <a:srgbClr val="000000"/>
                     </a:solidFill>
@@ -19375,7 +19811,7 @@
               </a:ln>
               <a:extLst>
                 <a:ext uri="{91240B29-F687-4f45-9708-019B960494DF}">
-                  <a14:hiddenLine xmlns:a14="http://schemas.microsoft.com/office/drawing/2010/main" xmlns="" w="9525">
+                  <a14:hiddenLine xmlns="" xmlns:a14="http://schemas.microsoft.com/office/drawing/2010/main" w="9525">
                     <a:solidFill>
                       <a:srgbClr val="000000"/>
                     </a:solidFill>
@@ -22017,7 +22453,7 @@
     <p:bg>
       <p:bgPr>
         <a:blipFill>
-          <a:blip r:embed="rId2">
+          <a:blip r:embed="rId3">
             <a:duotone>
               <a:schemeClr val="bg2">
                 <a:shade val="88000"/>
@@ -22076,7 +22512,7 @@
           </p:nvPr>
         </p:nvPicPr>
         <p:blipFill>
-          <a:blip r:embed="rId3">
+          <a:blip r:embed="rId4">
             <a:alphaModFix amt="30000"/>
             <a:extLst>
               <a:ext uri="{28A0092B-C50C-407E-A947-70E740481C1C}">
@@ -22100,7 +22536,7 @@
           <a:noFill/>
           <a:extLst>
             <a:ext uri="{909E8E84-426E-40dd-AFC4-6F175D3DCCD1}">
-              <a14:hiddenFill xmlns:a14="http://schemas.microsoft.com/office/drawing/2010/main" xmlns:a16="http://schemas.microsoft.com/office/drawing/2014/main" xmlns="">
+              <a14:hiddenFill xmlns="" xmlns:a16="http://schemas.microsoft.com/office/drawing/2014/main" xmlns:a14="http://schemas.microsoft.com/office/drawing/2010/main">
                 <a:solidFill>
                   <a:srgbClr val="FFFFFF"/>
                 </a:solidFill>
@@ -22192,7 +22628,7 @@
             </a:ln>
             <a:extLst>
               <a:ext uri="{91240B29-F687-4f45-9708-019B960494DF}">
-                <a14:hiddenLine xmlns:a14="http://schemas.microsoft.com/office/drawing/2010/main" xmlns:a16="http://schemas.microsoft.com/office/drawing/2014/main" xmlns="" w="9525">
+                <a14:hiddenLine xmlns="" xmlns:a16="http://schemas.microsoft.com/office/drawing/2014/main" xmlns:a14="http://schemas.microsoft.com/office/drawing/2010/main" w="9525">
                   <a:solidFill>
                     <a:srgbClr val="000000"/>
                   </a:solidFill>
@@ -22297,7 +22733,7 @@
             </a:ln>
             <a:extLst>
               <a:ext uri="{91240B29-F687-4f45-9708-019B960494DF}">
-                <a14:hiddenLine xmlns:a14="http://schemas.microsoft.com/office/drawing/2010/main" xmlns:a16="http://schemas.microsoft.com/office/drawing/2014/main" xmlns="" w="9525">
+                <a14:hiddenLine xmlns="" xmlns:a16="http://schemas.microsoft.com/office/drawing/2014/main" xmlns:a14="http://schemas.microsoft.com/office/drawing/2010/main" w="9525">
                   <a:solidFill>
                     <a:srgbClr val="000000"/>
                   </a:solidFill>
@@ -22402,7 +22838,7 @@
             </a:ln>
             <a:extLst>
               <a:ext uri="{91240B29-F687-4f45-9708-019B960494DF}">
-                <a14:hiddenLine xmlns:a14="http://schemas.microsoft.com/office/drawing/2010/main" xmlns:a16="http://schemas.microsoft.com/office/drawing/2014/main" xmlns="" w="9525">
+                <a14:hiddenLine xmlns="" xmlns:a16="http://schemas.microsoft.com/office/drawing/2014/main" xmlns:a14="http://schemas.microsoft.com/office/drawing/2010/main" w="9525">
                   <a:solidFill>
                     <a:srgbClr val="000000"/>
                   </a:solidFill>
@@ -22451,7 +22887,7 @@
             </a:ln>
             <a:extLst>
               <a:ext uri="{91240B29-F687-4f45-9708-019B960494DF}">
-                <a14:hiddenLine xmlns:a14="http://schemas.microsoft.com/office/drawing/2010/main" xmlns:a16="http://schemas.microsoft.com/office/drawing/2014/main" xmlns="" w="9525">
+                <a14:hiddenLine xmlns="" xmlns:a16="http://schemas.microsoft.com/office/drawing/2014/main" xmlns:a14="http://schemas.microsoft.com/office/drawing/2010/main" w="9525">
                   <a:solidFill>
                     <a:srgbClr val="000000"/>
                   </a:solidFill>
@@ -22556,7 +22992,7 @@
             </a:ln>
             <a:extLst>
               <a:ext uri="{91240B29-F687-4f45-9708-019B960494DF}">
-                <a14:hiddenLine xmlns:a14="http://schemas.microsoft.com/office/drawing/2010/main" xmlns:a16="http://schemas.microsoft.com/office/drawing/2014/main" xmlns="" w="9525">
+                <a14:hiddenLine xmlns="" xmlns:a16="http://schemas.microsoft.com/office/drawing/2014/main" xmlns:a14="http://schemas.microsoft.com/office/drawing/2010/main" w="9525">
                   <a:solidFill>
                     <a:srgbClr val="000000"/>
                   </a:solidFill>
@@ -22633,7 +23069,7 @@
             </a:ln>
             <a:extLst>
               <a:ext uri="{91240B29-F687-4f45-9708-019B960494DF}">
-                <a14:hiddenLine xmlns:a14="http://schemas.microsoft.com/office/drawing/2010/main" xmlns:a16="http://schemas.microsoft.com/office/drawing/2014/main" xmlns="" w="9525">
+                <a14:hiddenLine xmlns="" xmlns:a16="http://schemas.microsoft.com/office/drawing/2014/main" xmlns:a14="http://schemas.microsoft.com/office/drawing/2010/main" w="9525">
                   <a:solidFill>
                     <a:srgbClr val="000000"/>
                   </a:solidFill>
@@ -22710,7 +23146,7 @@
             </a:ln>
             <a:extLst>
               <a:ext uri="{91240B29-F687-4f45-9708-019B960494DF}">
-                <a14:hiddenLine xmlns:a14="http://schemas.microsoft.com/office/drawing/2010/main" xmlns:a16="http://schemas.microsoft.com/office/drawing/2014/main" xmlns="" w="9525">
+                <a14:hiddenLine xmlns="" xmlns:a16="http://schemas.microsoft.com/office/drawing/2014/main" xmlns:a14="http://schemas.microsoft.com/office/drawing/2010/main" w="9525">
                   <a:solidFill>
                     <a:srgbClr val="000000"/>
                   </a:solidFill>
@@ -22815,7 +23251,7 @@
             </a:ln>
             <a:extLst>
               <a:ext uri="{91240B29-F687-4f45-9708-019B960494DF}">
-                <a14:hiddenLine xmlns:a14="http://schemas.microsoft.com/office/drawing/2010/main" xmlns:a16="http://schemas.microsoft.com/office/drawing/2014/main" xmlns="" w="9525">
+                <a14:hiddenLine xmlns="" xmlns:a16="http://schemas.microsoft.com/office/drawing/2014/main" xmlns:a14="http://schemas.microsoft.com/office/drawing/2010/main" w="9525">
                   <a:solidFill>
                     <a:srgbClr val="000000"/>
                   </a:solidFill>
@@ -22892,7 +23328,7 @@
             </a:ln>
             <a:extLst>
               <a:ext uri="{91240B29-F687-4f45-9708-019B960494DF}">
-                <a14:hiddenLine xmlns:a14="http://schemas.microsoft.com/office/drawing/2010/main" xmlns:a16="http://schemas.microsoft.com/office/drawing/2014/main" xmlns="" w="9525">
+                <a14:hiddenLine xmlns="" xmlns:a16="http://schemas.microsoft.com/office/drawing/2014/main" xmlns:a14="http://schemas.microsoft.com/office/drawing/2010/main" w="9525">
                   <a:solidFill>
                     <a:srgbClr val="000000"/>
                   </a:solidFill>
@@ -22969,7 +23405,7 @@
             </a:ln>
             <a:extLst>
               <a:ext uri="{91240B29-F687-4f45-9708-019B960494DF}">
-                <a14:hiddenLine xmlns:a14="http://schemas.microsoft.com/office/drawing/2010/main" xmlns:a16="http://schemas.microsoft.com/office/drawing/2014/main" xmlns="" w="9525">
+                <a14:hiddenLine xmlns="" xmlns:a16="http://schemas.microsoft.com/office/drawing/2014/main" xmlns:a14="http://schemas.microsoft.com/office/drawing/2010/main" w="9525">
                   <a:solidFill>
                     <a:srgbClr val="000000"/>
                   </a:solidFill>
@@ -23074,7 +23510,7 @@
             </a:ln>
             <a:extLst>
               <a:ext uri="{91240B29-F687-4f45-9708-019B960494DF}">
-                <a14:hiddenLine xmlns:a14="http://schemas.microsoft.com/office/drawing/2010/main" xmlns:a16="http://schemas.microsoft.com/office/drawing/2014/main" xmlns="" w="9525">
+                <a14:hiddenLine xmlns="" xmlns:a16="http://schemas.microsoft.com/office/drawing/2014/main" xmlns:a14="http://schemas.microsoft.com/office/drawing/2010/main" w="9525">
                   <a:solidFill>
                     <a:srgbClr val="000000"/>
                   </a:solidFill>
@@ -23179,7 +23615,7 @@
             </a:ln>
             <a:extLst>
               <a:ext uri="{91240B29-F687-4f45-9708-019B960494DF}">
-                <a14:hiddenLine xmlns:a14="http://schemas.microsoft.com/office/drawing/2010/main" xmlns:a16="http://schemas.microsoft.com/office/drawing/2014/main" xmlns="" w="9525">
+                <a14:hiddenLine xmlns="" xmlns:a16="http://schemas.microsoft.com/office/drawing/2014/main" xmlns:a14="http://schemas.microsoft.com/office/drawing/2010/main" w="9525">
                   <a:solidFill>
                     <a:srgbClr val="000000"/>
                   </a:solidFill>
@@ -23256,7 +23692,7 @@
             </a:ln>
             <a:extLst>
               <a:ext uri="{91240B29-F687-4f45-9708-019B960494DF}">
-                <a14:hiddenLine xmlns:a14="http://schemas.microsoft.com/office/drawing/2010/main" xmlns:a16="http://schemas.microsoft.com/office/drawing/2014/main" xmlns="" w="9525">
+                <a14:hiddenLine xmlns="" xmlns:a16="http://schemas.microsoft.com/office/drawing/2014/main" xmlns:a14="http://schemas.microsoft.com/office/drawing/2010/main" w="9525">
                   <a:solidFill>
                     <a:srgbClr val="000000"/>
                   </a:solidFill>
@@ -23381,7 +23817,7 @@
             </a:ln>
             <a:extLst>
               <a:ext uri="{91240B29-F687-4f45-9708-019B960494DF}">
-                <a14:hiddenLine xmlns:a14="http://schemas.microsoft.com/office/drawing/2010/main" xmlns:a16="http://schemas.microsoft.com/office/drawing/2014/main" xmlns="" w="9525">
+                <a14:hiddenLine xmlns="" xmlns:a16="http://schemas.microsoft.com/office/drawing/2014/main" xmlns:a14="http://schemas.microsoft.com/office/drawing/2010/main" w="9525">
                   <a:solidFill>
                     <a:srgbClr val="000000"/>
                   </a:solidFill>
@@ -23458,7 +23894,7 @@
             </a:ln>
             <a:extLst>
               <a:ext uri="{91240B29-F687-4f45-9708-019B960494DF}">
-                <a14:hiddenLine xmlns:a14="http://schemas.microsoft.com/office/drawing/2010/main" xmlns:a16="http://schemas.microsoft.com/office/drawing/2014/main" xmlns="" w="9525">
+                <a14:hiddenLine xmlns="" xmlns:a16="http://schemas.microsoft.com/office/drawing/2014/main" xmlns:a14="http://schemas.microsoft.com/office/drawing/2010/main" w="9525">
                   <a:solidFill>
                     <a:srgbClr val="000000"/>
                   </a:solidFill>
@@ -23563,7 +23999,7 @@
             </a:ln>
             <a:extLst>
               <a:ext uri="{91240B29-F687-4f45-9708-019B960494DF}">
-                <a14:hiddenLine xmlns:a14="http://schemas.microsoft.com/office/drawing/2010/main" xmlns:a16="http://schemas.microsoft.com/office/drawing/2014/main" xmlns="" w="9525">
+                <a14:hiddenLine xmlns="" xmlns:a16="http://schemas.microsoft.com/office/drawing/2014/main" xmlns:a14="http://schemas.microsoft.com/office/drawing/2010/main" w="9525">
                   <a:solidFill>
                     <a:srgbClr val="000000"/>
                   </a:solidFill>
@@ -23668,7 +24104,7 @@
             </a:ln>
             <a:extLst>
               <a:ext uri="{91240B29-F687-4f45-9708-019B960494DF}">
-                <a14:hiddenLine xmlns:a14="http://schemas.microsoft.com/office/drawing/2010/main" xmlns:a16="http://schemas.microsoft.com/office/drawing/2014/main" xmlns="" w="9525">
+                <a14:hiddenLine xmlns="" xmlns:a16="http://schemas.microsoft.com/office/drawing/2014/main" xmlns:a14="http://schemas.microsoft.com/office/drawing/2010/main" w="9525">
                   <a:solidFill>
                     <a:srgbClr val="000000"/>
                   </a:solidFill>
@@ -23745,7 +24181,7 @@
             </a:ln>
             <a:extLst>
               <a:ext uri="{91240B29-F687-4f45-9708-019B960494DF}">
-                <a14:hiddenLine xmlns:a14="http://schemas.microsoft.com/office/drawing/2010/main" xmlns:a16="http://schemas.microsoft.com/office/drawing/2014/main" xmlns="" w="9525">
+                <a14:hiddenLine xmlns="" xmlns:a16="http://schemas.microsoft.com/office/drawing/2014/main" xmlns:a14="http://schemas.microsoft.com/office/drawing/2010/main" w="9525">
                   <a:solidFill>
                     <a:srgbClr val="000000"/>
                   </a:solidFill>
@@ -23850,7 +24286,7 @@
             </a:ln>
             <a:extLst>
               <a:ext uri="{91240B29-F687-4f45-9708-019B960494DF}">
-                <a14:hiddenLine xmlns:a14="http://schemas.microsoft.com/office/drawing/2010/main" xmlns:a16="http://schemas.microsoft.com/office/drawing/2014/main" xmlns="" w="9525">
+                <a14:hiddenLine xmlns="" xmlns:a16="http://schemas.microsoft.com/office/drawing/2014/main" xmlns:a14="http://schemas.microsoft.com/office/drawing/2010/main" w="9525">
                   <a:solidFill>
                     <a:srgbClr val="000000"/>
                   </a:solidFill>
@@ -23955,7 +24391,7 @@
             </a:ln>
             <a:extLst>
               <a:ext uri="{91240B29-F687-4f45-9708-019B960494DF}">
-                <a14:hiddenLine xmlns:a14="http://schemas.microsoft.com/office/drawing/2010/main" xmlns:a16="http://schemas.microsoft.com/office/drawing/2014/main" xmlns="" w="9525">
+                <a14:hiddenLine xmlns="" xmlns:a16="http://schemas.microsoft.com/office/drawing/2014/main" xmlns:a14="http://schemas.microsoft.com/office/drawing/2010/main" w="9525">
                   <a:solidFill>
                     <a:srgbClr val="000000"/>
                   </a:solidFill>
@@ -24026,7 +24462,7 @@
             </a:ln>
             <a:extLst>
               <a:ext uri="{91240B29-F687-4f45-9708-019B960494DF}">
-                <a14:hiddenLine xmlns:a14="http://schemas.microsoft.com/office/drawing/2010/main" xmlns:a16="http://schemas.microsoft.com/office/drawing/2014/main" xmlns="" w="9525">
+                <a14:hiddenLine xmlns="" xmlns:a16="http://schemas.microsoft.com/office/drawing/2014/main" xmlns:a14="http://schemas.microsoft.com/office/drawing/2010/main" w="9525">
                   <a:solidFill>
                     <a:srgbClr val="000000"/>
                   </a:solidFill>
@@ -24131,7 +24567,7 @@
             </a:ln>
             <a:extLst>
               <a:ext uri="{91240B29-F687-4f45-9708-019B960494DF}">
-                <a14:hiddenLine xmlns:a14="http://schemas.microsoft.com/office/drawing/2010/main" xmlns:a16="http://schemas.microsoft.com/office/drawing/2014/main" xmlns="" w="9525">
+                <a14:hiddenLine xmlns="" xmlns:a16="http://schemas.microsoft.com/office/drawing/2014/main" xmlns:a14="http://schemas.microsoft.com/office/drawing/2010/main" w="9525">
                   <a:solidFill>
                     <a:srgbClr val="000000"/>
                   </a:solidFill>
@@ -24202,7 +24638,7 @@
             </a:ln>
             <a:extLst>
               <a:ext uri="{91240B29-F687-4f45-9708-019B960494DF}">
-                <a14:hiddenLine xmlns:a14="http://schemas.microsoft.com/office/drawing/2010/main" xmlns:a16="http://schemas.microsoft.com/office/drawing/2014/main" xmlns="" w="9525">
+                <a14:hiddenLine xmlns="" xmlns:a16="http://schemas.microsoft.com/office/drawing/2014/main" xmlns:a14="http://schemas.microsoft.com/office/drawing/2010/main" w="9525">
                   <a:solidFill>
                     <a:srgbClr val="000000"/>
                   </a:solidFill>
@@ -24307,7 +24743,7 @@
             </a:ln>
             <a:extLst>
               <a:ext uri="{91240B29-F687-4f45-9708-019B960494DF}">
-                <a14:hiddenLine xmlns:a14="http://schemas.microsoft.com/office/drawing/2010/main" xmlns:a16="http://schemas.microsoft.com/office/drawing/2014/main" xmlns="" w="9525">
+                <a14:hiddenLine xmlns="" xmlns:a16="http://schemas.microsoft.com/office/drawing/2014/main" xmlns:a14="http://schemas.microsoft.com/office/drawing/2010/main" w="9525">
                   <a:solidFill>
                     <a:srgbClr val="000000"/>
                   </a:solidFill>
@@ -24390,7 +24826,7 @@
             </a:ln>
             <a:extLst>
               <a:ext uri="{91240B29-F687-4f45-9708-019B960494DF}">
-                <a14:hiddenLine xmlns:a14="http://schemas.microsoft.com/office/drawing/2010/main" xmlns:a16="http://schemas.microsoft.com/office/drawing/2014/main" xmlns="" w="9525">
+                <a14:hiddenLine xmlns="" xmlns:a16="http://schemas.microsoft.com/office/drawing/2014/main" xmlns:a14="http://schemas.microsoft.com/office/drawing/2010/main" w="9525">
                   <a:solidFill>
                     <a:srgbClr val="000000"/>
                   </a:solidFill>
@@ -24495,7 +24931,7 @@
             </a:ln>
             <a:extLst>
               <a:ext uri="{91240B29-F687-4f45-9708-019B960494DF}">
-                <a14:hiddenLine xmlns:a14="http://schemas.microsoft.com/office/drawing/2010/main" xmlns:a16="http://schemas.microsoft.com/office/drawing/2014/main" xmlns="" w="9525">
+                <a14:hiddenLine xmlns="" xmlns:a16="http://schemas.microsoft.com/office/drawing/2014/main" xmlns:a14="http://schemas.microsoft.com/office/drawing/2010/main" w="9525">
                   <a:solidFill>
                     <a:srgbClr val="000000"/>
                   </a:solidFill>
@@ -24578,7 +25014,7 @@
             </a:ln>
             <a:extLst>
               <a:ext uri="{91240B29-F687-4f45-9708-019B960494DF}">
-                <a14:hiddenLine xmlns:a14="http://schemas.microsoft.com/office/drawing/2010/main" xmlns:a16="http://schemas.microsoft.com/office/drawing/2014/main" xmlns="" w="9525">
+                <a14:hiddenLine xmlns="" xmlns:a16="http://schemas.microsoft.com/office/drawing/2014/main" xmlns:a14="http://schemas.microsoft.com/office/drawing/2010/main" w="9525">
                   <a:solidFill>
                     <a:srgbClr val="000000"/>
                   </a:solidFill>
@@ -24683,7 +25119,7 @@
             </a:ln>
             <a:extLst>
               <a:ext uri="{91240B29-F687-4f45-9708-019B960494DF}">
-                <a14:hiddenLine xmlns:a14="http://schemas.microsoft.com/office/drawing/2010/main" xmlns:a16="http://schemas.microsoft.com/office/drawing/2014/main" xmlns="" w="9525">
+                <a14:hiddenLine xmlns="" xmlns:a16="http://schemas.microsoft.com/office/drawing/2014/main" xmlns:a14="http://schemas.microsoft.com/office/drawing/2010/main" w="9525">
                   <a:solidFill>
                     <a:srgbClr val="000000"/>
                   </a:solidFill>
@@ -24732,7 +25168,7 @@
             </a:ln>
             <a:extLst>
               <a:ext uri="{91240B29-F687-4f45-9708-019B960494DF}">
-                <a14:hiddenLine xmlns:a14="http://schemas.microsoft.com/office/drawing/2010/main" xmlns:a16="http://schemas.microsoft.com/office/drawing/2014/main" xmlns="" w="9525">
+                <a14:hiddenLine xmlns="" xmlns:a16="http://schemas.microsoft.com/office/drawing/2014/main" xmlns:a14="http://schemas.microsoft.com/office/drawing/2010/main" w="9525">
                   <a:solidFill>
                     <a:srgbClr val="000000"/>
                   </a:solidFill>
@@ -24837,7 +25273,7 @@
             </a:ln>
             <a:extLst>
               <a:ext uri="{91240B29-F687-4f45-9708-019B960494DF}">
-                <a14:hiddenLine xmlns:a14="http://schemas.microsoft.com/office/drawing/2010/main" xmlns:a16="http://schemas.microsoft.com/office/drawing/2014/main" xmlns="" w="9525">
+                <a14:hiddenLine xmlns="" xmlns:a16="http://schemas.microsoft.com/office/drawing/2014/main" xmlns:a14="http://schemas.microsoft.com/office/drawing/2010/main" w="9525">
                   <a:solidFill>
                     <a:srgbClr val="000000"/>
                   </a:solidFill>
@@ -24914,7 +25350,7 @@
             </a:ln>
             <a:extLst>
               <a:ext uri="{91240B29-F687-4f45-9708-019B960494DF}">
-                <a14:hiddenLine xmlns:a14="http://schemas.microsoft.com/office/drawing/2010/main" xmlns:a16="http://schemas.microsoft.com/office/drawing/2014/main" xmlns="" w="9525">
+                <a14:hiddenLine xmlns="" xmlns:a16="http://schemas.microsoft.com/office/drawing/2014/main" xmlns:a14="http://schemas.microsoft.com/office/drawing/2010/main" w="9525">
                   <a:solidFill>
                     <a:srgbClr val="000000"/>
                   </a:solidFill>
@@ -24991,7 +25427,7 @@
             </a:ln>
             <a:extLst>
               <a:ext uri="{91240B29-F687-4f45-9708-019B960494DF}">
-                <a14:hiddenLine xmlns:a14="http://schemas.microsoft.com/office/drawing/2010/main" xmlns:a16="http://schemas.microsoft.com/office/drawing/2014/main" xmlns="" w="9525">
+                <a14:hiddenLine xmlns="" xmlns:a16="http://schemas.microsoft.com/office/drawing/2014/main" xmlns:a14="http://schemas.microsoft.com/office/drawing/2010/main" w="9525">
                   <a:solidFill>
                     <a:srgbClr val="000000"/>
                   </a:solidFill>
@@ -25096,7 +25532,7 @@
             </a:ln>
             <a:extLst>
               <a:ext uri="{91240B29-F687-4f45-9708-019B960494DF}">
-                <a14:hiddenLine xmlns:a14="http://schemas.microsoft.com/office/drawing/2010/main" xmlns:a16="http://schemas.microsoft.com/office/drawing/2014/main" xmlns="" w="9525">
+                <a14:hiddenLine xmlns="" xmlns:a16="http://schemas.microsoft.com/office/drawing/2014/main" xmlns:a14="http://schemas.microsoft.com/office/drawing/2010/main" w="9525">
                   <a:solidFill>
                     <a:srgbClr val="000000"/>
                   </a:solidFill>
@@ -25179,7 +25615,7 @@
             </a:ln>
             <a:extLst>
               <a:ext uri="{91240B29-F687-4f45-9708-019B960494DF}">
-                <a14:hiddenLine xmlns:a14="http://schemas.microsoft.com/office/drawing/2010/main" xmlns:a16="http://schemas.microsoft.com/office/drawing/2014/main" xmlns="" w="9525">
+                <a14:hiddenLine xmlns="" xmlns:a16="http://schemas.microsoft.com/office/drawing/2014/main" xmlns:a14="http://schemas.microsoft.com/office/drawing/2010/main" w="9525">
                   <a:solidFill>
                     <a:srgbClr val="000000"/>
                   </a:solidFill>
@@ -25256,7 +25692,7 @@
             </a:ln>
             <a:extLst>
               <a:ext uri="{91240B29-F687-4f45-9708-019B960494DF}">
-                <a14:hiddenLine xmlns:a14="http://schemas.microsoft.com/office/drawing/2010/main" xmlns:a16="http://schemas.microsoft.com/office/drawing/2014/main" xmlns="" w="9525">
+                <a14:hiddenLine xmlns="" xmlns:a16="http://schemas.microsoft.com/office/drawing/2014/main" xmlns:a14="http://schemas.microsoft.com/office/drawing/2010/main" w="9525">
                   <a:solidFill>
                     <a:srgbClr val="000000"/>
                   </a:solidFill>
@@ -25361,7 +25797,7 @@
             </a:ln>
             <a:extLst>
               <a:ext uri="{91240B29-F687-4f45-9708-019B960494DF}">
-                <a14:hiddenLine xmlns:a14="http://schemas.microsoft.com/office/drawing/2010/main" xmlns:a16="http://schemas.microsoft.com/office/drawing/2014/main" xmlns="" w="9525">
+                <a14:hiddenLine xmlns="" xmlns:a16="http://schemas.microsoft.com/office/drawing/2014/main" xmlns:a14="http://schemas.microsoft.com/office/drawing/2010/main" w="9525">
                   <a:solidFill>
                     <a:srgbClr val="000000"/>
                   </a:solidFill>
@@ -25438,7 +25874,7 @@
             </a:ln>
             <a:extLst>
               <a:ext uri="{91240B29-F687-4f45-9708-019B960494DF}">
-                <a14:hiddenLine xmlns:a14="http://schemas.microsoft.com/office/drawing/2010/main" xmlns:a16="http://schemas.microsoft.com/office/drawing/2014/main" xmlns="" w="9525">
+                <a14:hiddenLine xmlns="" xmlns:a16="http://schemas.microsoft.com/office/drawing/2014/main" xmlns:a14="http://schemas.microsoft.com/office/drawing/2010/main" w="9525">
                   <a:solidFill>
                     <a:srgbClr val="000000"/>
                   </a:solidFill>
@@ -25543,7 +25979,7 @@
             </a:ln>
             <a:extLst>
               <a:ext uri="{91240B29-F687-4f45-9708-019B960494DF}">
-                <a14:hiddenLine xmlns:a14="http://schemas.microsoft.com/office/drawing/2010/main" xmlns:a16="http://schemas.microsoft.com/office/drawing/2014/main" xmlns="" w="9525">
+                <a14:hiddenLine xmlns="" xmlns:a16="http://schemas.microsoft.com/office/drawing/2014/main" xmlns:a14="http://schemas.microsoft.com/office/drawing/2010/main" w="9525">
                   <a:solidFill>
                     <a:srgbClr val="000000"/>
                   </a:solidFill>
@@ -25620,7 +26056,7 @@
             </a:ln>
             <a:extLst>
               <a:ext uri="{91240B29-F687-4f45-9708-019B960494DF}">
-                <a14:hiddenLine xmlns:a14="http://schemas.microsoft.com/office/drawing/2010/main" xmlns:a16="http://schemas.microsoft.com/office/drawing/2014/main" xmlns="" w="9525">
+                <a14:hiddenLine xmlns="" xmlns:a16="http://schemas.microsoft.com/office/drawing/2014/main" xmlns:a14="http://schemas.microsoft.com/office/drawing/2010/main" w="9525">
                   <a:solidFill>
                     <a:srgbClr val="000000"/>
                   </a:solidFill>
@@ -25725,7 +26161,7 @@
             </a:ln>
             <a:extLst>
               <a:ext uri="{91240B29-F687-4f45-9708-019B960494DF}">
-                <a14:hiddenLine xmlns:a14="http://schemas.microsoft.com/office/drawing/2010/main" xmlns:a16="http://schemas.microsoft.com/office/drawing/2014/main" xmlns="" w="9525">
+                <a14:hiddenLine xmlns="" xmlns:a16="http://schemas.microsoft.com/office/drawing/2014/main" xmlns:a14="http://schemas.microsoft.com/office/drawing/2010/main" w="9525">
                   <a:solidFill>
                     <a:srgbClr val="000000"/>
                   </a:solidFill>
@@ -25774,7 +26210,7 @@
             </a:ln>
             <a:extLst>
               <a:ext uri="{91240B29-F687-4f45-9708-019B960494DF}">
-                <a14:hiddenLine xmlns:a14="http://schemas.microsoft.com/office/drawing/2010/main" xmlns:a16="http://schemas.microsoft.com/office/drawing/2014/main" xmlns="" w="9525">
+                <a14:hiddenLine xmlns="" xmlns:a16="http://schemas.microsoft.com/office/drawing/2014/main" xmlns:a14="http://schemas.microsoft.com/office/drawing/2010/main" w="9525">
                   <a:solidFill>
                     <a:srgbClr val="000000"/>
                   </a:solidFill>
@@ -25854,7 +26290,7 @@
             </a:ln>
             <a:extLst>
               <a:ext uri="{91240B29-F687-4f45-9708-019B960494DF}">
-                <a14:hiddenLine xmlns:a14="http://schemas.microsoft.com/office/drawing/2010/main" xmlns:a16="http://schemas.microsoft.com/office/drawing/2014/main" xmlns="" w="9525">
+                <a14:hiddenLine xmlns="" xmlns:a16="http://schemas.microsoft.com/office/drawing/2014/main" xmlns:a14="http://schemas.microsoft.com/office/drawing/2010/main" w="9525">
                   <a:solidFill>
                     <a:srgbClr val="000000"/>
                   </a:solidFill>
@@ -25959,7 +26395,7 @@
             </a:ln>
             <a:extLst>
               <a:ext uri="{91240B29-F687-4f45-9708-019B960494DF}">
-                <a14:hiddenLine xmlns:a14="http://schemas.microsoft.com/office/drawing/2010/main" xmlns:a16="http://schemas.microsoft.com/office/drawing/2014/main" xmlns="" w="9525">
+                <a14:hiddenLine xmlns="" xmlns:a16="http://schemas.microsoft.com/office/drawing/2014/main" xmlns:a14="http://schemas.microsoft.com/office/drawing/2010/main" w="9525">
                   <a:solidFill>
                     <a:srgbClr val="000000"/>
                   </a:solidFill>
@@ -26036,7 +26472,7 @@
             </a:ln>
             <a:extLst>
               <a:ext uri="{91240B29-F687-4f45-9708-019B960494DF}">
-                <a14:hiddenLine xmlns:a14="http://schemas.microsoft.com/office/drawing/2010/main" xmlns:a16="http://schemas.microsoft.com/office/drawing/2014/main" xmlns="" w="9525">
+                <a14:hiddenLine xmlns="" xmlns:a16="http://schemas.microsoft.com/office/drawing/2014/main" xmlns:a14="http://schemas.microsoft.com/office/drawing/2010/main" w="9525">
                   <a:solidFill>
                     <a:srgbClr val="000000"/>
                   </a:solidFill>
@@ -26141,7 +26577,7 @@
             </a:ln>
             <a:extLst>
               <a:ext uri="{91240B29-F687-4f45-9708-019B960494DF}">
-                <a14:hiddenLine xmlns:a14="http://schemas.microsoft.com/office/drawing/2010/main" xmlns:a16="http://schemas.microsoft.com/office/drawing/2014/main" xmlns="" w="9525">
+                <a14:hiddenLine xmlns="" xmlns:a16="http://schemas.microsoft.com/office/drawing/2014/main" xmlns:a14="http://schemas.microsoft.com/office/drawing/2010/main" w="9525">
                   <a:solidFill>
                     <a:srgbClr val="000000"/>
                   </a:solidFill>
@@ -26246,7 +26682,7 @@
             </a:ln>
             <a:extLst>
               <a:ext uri="{91240B29-F687-4f45-9708-019B960494DF}">
-                <a14:hiddenLine xmlns:a14="http://schemas.microsoft.com/office/drawing/2010/main" xmlns:a16="http://schemas.microsoft.com/office/drawing/2014/main" xmlns="" w="9525">
+                <a14:hiddenLine xmlns="" xmlns:a16="http://schemas.microsoft.com/office/drawing/2014/main" xmlns:a14="http://schemas.microsoft.com/office/drawing/2010/main" w="9525">
                   <a:solidFill>
                     <a:srgbClr val="000000"/>
                   </a:solidFill>
@@ -26326,7 +26762,7 @@
             </a:ln>
             <a:extLst>
               <a:ext uri="{91240B29-F687-4f45-9708-019B960494DF}">
-                <a14:hiddenLine xmlns:a14="http://schemas.microsoft.com/office/drawing/2010/main" xmlns:a16="http://schemas.microsoft.com/office/drawing/2014/main" xmlns="" w="9525">
+                <a14:hiddenLine xmlns="" xmlns:a16="http://schemas.microsoft.com/office/drawing/2014/main" xmlns:a14="http://schemas.microsoft.com/office/drawing/2010/main" w="9525">
                   <a:solidFill>
                     <a:srgbClr val="000000"/>
                   </a:solidFill>
@@ -26403,7 +26839,7 @@
             </a:ln>
             <a:extLst>
               <a:ext uri="{91240B29-F687-4f45-9708-019B960494DF}">
-                <a14:hiddenLine xmlns:a14="http://schemas.microsoft.com/office/drawing/2010/main" xmlns:a16="http://schemas.microsoft.com/office/drawing/2014/main" xmlns="" w="9525">
+                <a14:hiddenLine xmlns="" xmlns:a16="http://schemas.microsoft.com/office/drawing/2014/main" xmlns:a14="http://schemas.microsoft.com/office/drawing/2010/main" w="9525">
                   <a:solidFill>
                     <a:srgbClr val="000000"/>
                   </a:solidFill>
@@ -26508,7 +26944,7 @@
             </a:ln>
             <a:extLst>
               <a:ext uri="{91240B29-F687-4f45-9708-019B960494DF}">
-                <a14:hiddenLine xmlns:a14="http://schemas.microsoft.com/office/drawing/2010/main" xmlns:a16="http://schemas.microsoft.com/office/drawing/2014/main" xmlns="" w="9525">
+                <a14:hiddenLine xmlns="" xmlns:a16="http://schemas.microsoft.com/office/drawing/2014/main" xmlns:a14="http://schemas.microsoft.com/office/drawing/2010/main" w="9525">
                   <a:solidFill>
                     <a:srgbClr val="000000"/>
                   </a:solidFill>
@@ -26613,7 +27049,7 @@
             </a:ln>
             <a:extLst>
               <a:ext uri="{91240B29-F687-4f45-9708-019B960494DF}">
-                <a14:hiddenLine xmlns:a14="http://schemas.microsoft.com/office/drawing/2010/main" xmlns:a16="http://schemas.microsoft.com/office/drawing/2014/main" xmlns="" w="9525">
+                <a14:hiddenLine xmlns="" xmlns:a16="http://schemas.microsoft.com/office/drawing/2014/main" xmlns:a14="http://schemas.microsoft.com/office/drawing/2010/main" w="9525">
                   <a:solidFill>
                     <a:srgbClr val="000000"/>
                   </a:solidFill>
@@ -26690,7 +27126,7 @@
             </a:ln>
             <a:extLst>
               <a:ext uri="{91240B29-F687-4f45-9708-019B960494DF}">
-                <a14:hiddenLine xmlns:a14="http://schemas.microsoft.com/office/drawing/2010/main" xmlns:a16="http://schemas.microsoft.com/office/drawing/2014/main" xmlns="" w="9525">
+                <a14:hiddenLine xmlns="" xmlns:a16="http://schemas.microsoft.com/office/drawing/2014/main" xmlns:a14="http://schemas.microsoft.com/office/drawing/2010/main" w="9525">
                   <a:solidFill>
                     <a:srgbClr val="000000"/>
                   </a:solidFill>
@@ -26825,7 +27261,7 @@
             </a:ln>
             <a:extLst>
               <a:ext uri="{91240B29-F687-4f45-9708-019B960494DF}">
-                <a14:hiddenLine xmlns:a14="http://schemas.microsoft.com/office/drawing/2010/main" xmlns:a16="http://schemas.microsoft.com/office/drawing/2014/main" xmlns="" w="9525">
+                <a14:hiddenLine xmlns="" xmlns:a16="http://schemas.microsoft.com/office/drawing/2014/main" xmlns:a14="http://schemas.microsoft.com/office/drawing/2010/main" w="9525">
                   <a:solidFill>
                     <a:srgbClr val="000000"/>
                   </a:solidFill>
@@ -26908,7 +27344,7 @@
             </a:ln>
             <a:extLst>
               <a:ext uri="{91240B29-F687-4f45-9708-019B960494DF}">
-                <a14:hiddenLine xmlns:a14="http://schemas.microsoft.com/office/drawing/2010/main" xmlns:a16="http://schemas.microsoft.com/office/drawing/2014/main" xmlns="" w="9525">
+                <a14:hiddenLine xmlns="" xmlns:a16="http://schemas.microsoft.com/office/drawing/2014/main" xmlns:a14="http://schemas.microsoft.com/office/drawing/2010/main" w="9525">
                   <a:solidFill>
                     <a:srgbClr val="000000"/>
                   </a:solidFill>
@@ -27013,7 +27449,7 @@
             </a:ln>
             <a:extLst>
               <a:ext uri="{91240B29-F687-4f45-9708-019B960494DF}">
-                <a14:hiddenLine xmlns:a14="http://schemas.microsoft.com/office/drawing/2010/main" xmlns:a16="http://schemas.microsoft.com/office/drawing/2014/main" xmlns="" w="9525">
+                <a14:hiddenLine xmlns="" xmlns:a16="http://schemas.microsoft.com/office/drawing/2014/main" xmlns:a14="http://schemas.microsoft.com/office/drawing/2010/main" w="9525">
                   <a:solidFill>
                     <a:srgbClr val="000000"/>
                   </a:solidFill>
@@ -27139,7 +27575,7 @@
             </p:nvPr>
           </p:nvPicPr>
           <p:blipFill>
-            <a:blip r:embed="rId3">
+            <a:blip r:embed="rId4">
               <a:alphaModFix amt="30000"/>
               <a:duotone>
                 <a:prstClr val="black"/>
@@ -27170,7 +27606,7 @@
             <a:noFill/>
             <a:extLst>
               <a:ext uri="{909E8E84-426E-40dd-AFC4-6F175D3DCCD1}">
-                <a14:hiddenFill xmlns:a14="http://schemas.microsoft.com/office/drawing/2010/main" xmlns:p14="http://schemas.microsoft.com/office/powerpoint/2010/main" xmlns:a16="http://schemas.microsoft.com/office/drawing/2014/main" xmlns="">
+                <a14:hiddenFill xmlns="" xmlns:a16="http://schemas.microsoft.com/office/drawing/2014/main" xmlns:p14="http://schemas.microsoft.com/office/powerpoint/2010/main" xmlns:a14="http://schemas.microsoft.com/office/drawing/2010/main">
                   <a:solidFill>
                     <a:srgbClr val="FFFFFF"/>
                   </a:solidFill>
@@ -27281,11 +27717,11 @@
           <p:nvPr/>
         </p:nvPicPr>
         <p:blipFill>
-          <a:blip r:embed="rId4">
+          <a:blip r:embed="rId5">
             <a:extLst>
               <a:ext uri="{BEBA8EAE-BF5A-486C-A8C5-ECC9F3942E4B}">
                 <a14:imgProps xmlns:a14="http://schemas.microsoft.com/office/drawing/2010/main">
-                  <a14:imgLayer r:embed="rId5">
+                  <a14:imgLayer r:embed="rId6">
                     <a14:imgEffect>
                       <a14:sharpenSoften amount="100000"/>
                     </a14:imgEffect>
@@ -27336,14 +27772,14 @@
           <p:nvPr>
             <p:extLst>
               <p:ext uri="{D42A27DB-BD31-4B8C-83A1-F6EECF244321}">
-                <p14:modId xmlns:p14="http://schemas.microsoft.com/office/powerpoint/2010/main" val="2150688564"/>
+                <p14:modId xmlns:p14="http://schemas.microsoft.com/office/powerpoint/2010/main" val="588485011"/>
               </p:ext>
             </p:extLst>
           </p:nvPr>
         </p:nvGraphicFramePr>
         <p:xfrm>
-          <a:off x="671513" y="2736849"/>
-          <a:ext cx="5002245" cy="3104822"/>
+          <a:off x="661987" y="2831345"/>
+          <a:ext cx="5002245" cy="2901926"/>
         </p:xfrm>
         <a:graphic>
           <a:graphicData uri="http://schemas.openxmlformats.org/drawingml/2006/table">
@@ -27367,7 +27803,7 @@
                   </a:extLst>
                 </a:gridCol>
               </a:tblGrid>
-              <a:tr h="553480">
+              <a:tr h="273051">
                 <a:tc>
                   <a:txBody>
                     <a:bodyPr/>
@@ -28403,18 +28839,18 @@
           <p:nvPr>
             <p:extLst>
               <p:ext uri="{D42A27DB-BD31-4B8C-83A1-F6EECF244321}">
-                <p14:modId xmlns:p14="http://schemas.microsoft.com/office/powerpoint/2010/main" val="1304818488"/>
+                <p14:modId xmlns:p14="http://schemas.microsoft.com/office/powerpoint/2010/main" val="224089531"/>
               </p:ext>
             </p:extLst>
           </p:nvPr>
         </p:nvGraphicFramePr>
         <p:xfrm>
-          <a:off x="6096000" y="2614165"/>
+          <a:off x="6096000" y="2614808"/>
           <a:ext cx="5225000" cy="3447659"/>
         </p:xfrm>
         <a:graphic>
           <a:graphicData uri="http://schemas.openxmlformats.org/drawingml/2006/chart">
-            <c:chart xmlns:c="http://schemas.openxmlformats.org/drawingml/2006/chart" xmlns:r="http://schemas.openxmlformats.org/officeDocument/2006/relationships" r:id="rId6"/>
+            <c:chart xmlns:c="http://schemas.openxmlformats.org/drawingml/2006/chart" xmlns:r="http://schemas.openxmlformats.org/officeDocument/2006/relationships" r:id="rId7"/>
           </a:graphicData>
         </a:graphic>
       </p:graphicFrame>
@@ -29029,7 +29465,7 @@
           <a:noFill/>
           <a:extLst>
             <a:ext uri="{909E8E84-426E-40dd-AFC4-6F175D3DCCD1}">
-              <a14:hiddenFill xmlns="" xmlns:a16="http://schemas.microsoft.com/office/drawing/2014/main" xmlns:a14="http://schemas.microsoft.com/office/drawing/2010/main">
+              <a14:hiddenFill xmlns:a14="http://schemas.microsoft.com/office/drawing/2010/main" xmlns:a16="http://schemas.microsoft.com/office/drawing/2014/main" xmlns="">
                 <a:solidFill>
                   <a:srgbClr val="FFFFFF"/>
                 </a:solidFill>
@@ -29121,7 +29557,7 @@
             </a:ln>
             <a:extLst>
               <a:ext uri="{91240B29-F687-4f45-9708-019B960494DF}">
-                <a14:hiddenLine xmlns="" xmlns:a16="http://schemas.microsoft.com/office/drawing/2014/main" xmlns:a14="http://schemas.microsoft.com/office/drawing/2010/main" w="9525">
+                <a14:hiddenLine xmlns:a14="http://schemas.microsoft.com/office/drawing/2010/main" xmlns:a16="http://schemas.microsoft.com/office/drawing/2014/main" xmlns="" w="9525">
                   <a:solidFill>
                     <a:srgbClr val="000000"/>
                   </a:solidFill>
@@ -29226,7 +29662,7 @@
             </a:ln>
             <a:extLst>
               <a:ext uri="{91240B29-F687-4f45-9708-019B960494DF}">
-                <a14:hiddenLine xmlns="" xmlns:a16="http://schemas.microsoft.com/office/drawing/2014/main" xmlns:a14="http://schemas.microsoft.com/office/drawing/2010/main" w="9525">
+                <a14:hiddenLine xmlns:a14="http://schemas.microsoft.com/office/drawing/2010/main" xmlns:a16="http://schemas.microsoft.com/office/drawing/2014/main" xmlns="" w="9525">
                   <a:solidFill>
                     <a:srgbClr val="000000"/>
                   </a:solidFill>
@@ -29331,7 +29767,7 @@
             </a:ln>
             <a:extLst>
               <a:ext uri="{91240B29-F687-4f45-9708-019B960494DF}">
-                <a14:hiddenLine xmlns="" xmlns:a16="http://schemas.microsoft.com/office/drawing/2014/main" xmlns:a14="http://schemas.microsoft.com/office/drawing/2010/main" w="9525">
+                <a14:hiddenLine xmlns:a14="http://schemas.microsoft.com/office/drawing/2010/main" xmlns:a16="http://schemas.microsoft.com/office/drawing/2014/main" xmlns="" w="9525">
                   <a:solidFill>
                     <a:srgbClr val="000000"/>
                   </a:solidFill>
@@ -29380,7 +29816,7 @@
             </a:ln>
             <a:extLst>
               <a:ext uri="{91240B29-F687-4f45-9708-019B960494DF}">
-                <a14:hiddenLine xmlns="" xmlns:a16="http://schemas.microsoft.com/office/drawing/2014/main" xmlns:a14="http://schemas.microsoft.com/office/drawing/2010/main" w="9525">
+                <a14:hiddenLine xmlns:a14="http://schemas.microsoft.com/office/drawing/2010/main" xmlns:a16="http://schemas.microsoft.com/office/drawing/2014/main" xmlns="" w="9525">
                   <a:solidFill>
                     <a:srgbClr val="000000"/>
                   </a:solidFill>
@@ -29485,7 +29921,7 @@
             </a:ln>
             <a:extLst>
               <a:ext uri="{91240B29-F687-4f45-9708-019B960494DF}">
-                <a14:hiddenLine xmlns="" xmlns:a16="http://schemas.microsoft.com/office/drawing/2014/main" xmlns:a14="http://schemas.microsoft.com/office/drawing/2010/main" w="9525">
+                <a14:hiddenLine xmlns:a14="http://schemas.microsoft.com/office/drawing/2010/main" xmlns:a16="http://schemas.microsoft.com/office/drawing/2014/main" xmlns="" w="9525">
                   <a:solidFill>
                     <a:srgbClr val="000000"/>
                   </a:solidFill>
@@ -29562,7 +29998,7 @@
             </a:ln>
             <a:extLst>
               <a:ext uri="{91240B29-F687-4f45-9708-019B960494DF}">
-                <a14:hiddenLine xmlns="" xmlns:a16="http://schemas.microsoft.com/office/drawing/2014/main" xmlns:a14="http://schemas.microsoft.com/office/drawing/2010/main" w="9525">
+                <a14:hiddenLine xmlns:a14="http://schemas.microsoft.com/office/drawing/2010/main" xmlns:a16="http://schemas.microsoft.com/office/drawing/2014/main" xmlns="" w="9525">
                   <a:solidFill>
                     <a:srgbClr val="000000"/>
                   </a:solidFill>
@@ -29639,7 +30075,7 @@
             </a:ln>
             <a:extLst>
               <a:ext uri="{91240B29-F687-4f45-9708-019B960494DF}">
-                <a14:hiddenLine xmlns="" xmlns:a16="http://schemas.microsoft.com/office/drawing/2014/main" xmlns:a14="http://schemas.microsoft.com/office/drawing/2010/main" w="9525">
+                <a14:hiddenLine xmlns:a14="http://schemas.microsoft.com/office/drawing/2010/main" xmlns:a16="http://schemas.microsoft.com/office/drawing/2014/main" xmlns="" w="9525">
                   <a:solidFill>
                     <a:srgbClr val="000000"/>
                   </a:solidFill>
@@ -29744,7 +30180,7 @@
             </a:ln>
             <a:extLst>
               <a:ext uri="{91240B29-F687-4f45-9708-019B960494DF}">
-                <a14:hiddenLine xmlns="" xmlns:a16="http://schemas.microsoft.com/office/drawing/2014/main" xmlns:a14="http://schemas.microsoft.com/office/drawing/2010/main" w="9525">
+                <a14:hiddenLine xmlns:a14="http://schemas.microsoft.com/office/drawing/2010/main" xmlns:a16="http://schemas.microsoft.com/office/drawing/2014/main" xmlns="" w="9525">
                   <a:solidFill>
                     <a:srgbClr val="000000"/>
                   </a:solidFill>
@@ -29821,7 +30257,7 @@
             </a:ln>
             <a:extLst>
               <a:ext uri="{91240B29-F687-4f45-9708-019B960494DF}">
-                <a14:hiddenLine xmlns="" xmlns:a16="http://schemas.microsoft.com/office/drawing/2014/main" xmlns:a14="http://schemas.microsoft.com/office/drawing/2010/main" w="9525">
+                <a14:hiddenLine xmlns:a14="http://schemas.microsoft.com/office/drawing/2010/main" xmlns:a16="http://schemas.microsoft.com/office/drawing/2014/main" xmlns="" w="9525">
                   <a:solidFill>
                     <a:srgbClr val="000000"/>
                   </a:solidFill>
@@ -29898,7 +30334,7 @@
             </a:ln>
             <a:extLst>
               <a:ext uri="{91240B29-F687-4f45-9708-019B960494DF}">
-                <a14:hiddenLine xmlns="" xmlns:a16="http://schemas.microsoft.com/office/drawing/2014/main" xmlns:a14="http://schemas.microsoft.com/office/drawing/2010/main" w="9525">
+                <a14:hiddenLine xmlns:a14="http://schemas.microsoft.com/office/drawing/2010/main" xmlns:a16="http://schemas.microsoft.com/office/drawing/2014/main" xmlns="" w="9525">
                   <a:solidFill>
                     <a:srgbClr val="000000"/>
                   </a:solidFill>
@@ -30003,7 +30439,7 @@
             </a:ln>
             <a:extLst>
               <a:ext uri="{91240B29-F687-4f45-9708-019B960494DF}">
-                <a14:hiddenLine xmlns="" xmlns:a16="http://schemas.microsoft.com/office/drawing/2014/main" xmlns:a14="http://schemas.microsoft.com/office/drawing/2010/main" w="9525">
+                <a14:hiddenLine xmlns:a14="http://schemas.microsoft.com/office/drawing/2010/main" xmlns:a16="http://schemas.microsoft.com/office/drawing/2014/main" xmlns="" w="9525">
                   <a:solidFill>
                     <a:srgbClr val="000000"/>
                   </a:solidFill>
@@ -30108,7 +30544,7 @@
             </a:ln>
             <a:extLst>
               <a:ext uri="{91240B29-F687-4f45-9708-019B960494DF}">
-                <a14:hiddenLine xmlns="" xmlns:a16="http://schemas.microsoft.com/office/drawing/2014/main" xmlns:a14="http://schemas.microsoft.com/office/drawing/2010/main" w="9525">
+                <a14:hiddenLine xmlns:a14="http://schemas.microsoft.com/office/drawing/2010/main" xmlns:a16="http://schemas.microsoft.com/office/drawing/2014/main" xmlns="" w="9525">
                   <a:solidFill>
                     <a:srgbClr val="000000"/>
                   </a:solidFill>
@@ -30185,7 +30621,7 @@
             </a:ln>
             <a:extLst>
               <a:ext uri="{91240B29-F687-4f45-9708-019B960494DF}">
-                <a14:hiddenLine xmlns="" xmlns:a16="http://schemas.microsoft.com/office/drawing/2014/main" xmlns:a14="http://schemas.microsoft.com/office/drawing/2010/main" w="9525">
+                <a14:hiddenLine xmlns:a14="http://schemas.microsoft.com/office/drawing/2010/main" xmlns:a16="http://schemas.microsoft.com/office/drawing/2014/main" xmlns="" w="9525">
                   <a:solidFill>
                     <a:srgbClr val="000000"/>
                   </a:solidFill>
@@ -30310,7 +30746,7 @@
             </a:ln>
             <a:extLst>
               <a:ext uri="{91240B29-F687-4f45-9708-019B960494DF}">
-                <a14:hiddenLine xmlns="" xmlns:a16="http://schemas.microsoft.com/office/drawing/2014/main" xmlns:a14="http://schemas.microsoft.com/office/drawing/2010/main" w="9525">
+                <a14:hiddenLine xmlns:a14="http://schemas.microsoft.com/office/drawing/2010/main" xmlns:a16="http://schemas.microsoft.com/office/drawing/2014/main" xmlns="" w="9525">
                   <a:solidFill>
                     <a:srgbClr val="000000"/>
                   </a:solidFill>
@@ -30387,7 +30823,7 @@
             </a:ln>
             <a:extLst>
               <a:ext uri="{91240B29-F687-4f45-9708-019B960494DF}">
-                <a14:hiddenLine xmlns="" xmlns:a16="http://schemas.microsoft.com/office/drawing/2014/main" xmlns:a14="http://schemas.microsoft.com/office/drawing/2010/main" w="9525">
+                <a14:hiddenLine xmlns:a14="http://schemas.microsoft.com/office/drawing/2010/main" xmlns:a16="http://schemas.microsoft.com/office/drawing/2014/main" xmlns="" w="9525">
                   <a:solidFill>
                     <a:srgbClr val="000000"/>
                   </a:solidFill>
@@ -30492,7 +30928,7 @@
             </a:ln>
             <a:extLst>
               <a:ext uri="{91240B29-F687-4f45-9708-019B960494DF}">
-                <a14:hiddenLine xmlns="" xmlns:a16="http://schemas.microsoft.com/office/drawing/2014/main" xmlns:a14="http://schemas.microsoft.com/office/drawing/2010/main" w="9525">
+                <a14:hiddenLine xmlns:a14="http://schemas.microsoft.com/office/drawing/2010/main" xmlns:a16="http://schemas.microsoft.com/office/drawing/2014/main" xmlns="" w="9525">
                   <a:solidFill>
                     <a:srgbClr val="000000"/>
                   </a:solidFill>
@@ -30597,7 +31033,7 @@
             </a:ln>
             <a:extLst>
               <a:ext uri="{91240B29-F687-4f45-9708-019B960494DF}">
-                <a14:hiddenLine xmlns="" xmlns:a16="http://schemas.microsoft.com/office/drawing/2014/main" xmlns:a14="http://schemas.microsoft.com/office/drawing/2010/main" w="9525">
+                <a14:hiddenLine xmlns:a14="http://schemas.microsoft.com/office/drawing/2010/main" xmlns:a16="http://schemas.microsoft.com/office/drawing/2014/main" xmlns="" w="9525">
                   <a:solidFill>
                     <a:srgbClr val="000000"/>
                   </a:solidFill>
@@ -30674,7 +31110,7 @@
             </a:ln>
             <a:extLst>
               <a:ext uri="{91240B29-F687-4f45-9708-019B960494DF}">
-                <a14:hiddenLine xmlns="" xmlns:a16="http://schemas.microsoft.com/office/drawing/2014/main" xmlns:a14="http://schemas.microsoft.com/office/drawing/2010/main" w="9525">
+                <a14:hiddenLine xmlns:a14="http://schemas.microsoft.com/office/drawing/2010/main" xmlns:a16="http://schemas.microsoft.com/office/drawing/2014/main" xmlns="" w="9525">
                   <a:solidFill>
                     <a:srgbClr val="000000"/>
                   </a:solidFill>
@@ -30779,7 +31215,7 @@
             </a:ln>
             <a:extLst>
               <a:ext uri="{91240B29-F687-4f45-9708-019B960494DF}">
-                <a14:hiddenLine xmlns="" xmlns:a16="http://schemas.microsoft.com/office/drawing/2014/main" xmlns:a14="http://schemas.microsoft.com/office/drawing/2010/main" w="9525">
+                <a14:hiddenLine xmlns:a14="http://schemas.microsoft.com/office/drawing/2010/main" xmlns:a16="http://schemas.microsoft.com/office/drawing/2014/main" xmlns="" w="9525">
                   <a:solidFill>
                     <a:srgbClr val="000000"/>
                   </a:solidFill>
@@ -30884,7 +31320,7 @@
             </a:ln>
             <a:extLst>
               <a:ext uri="{91240B29-F687-4f45-9708-019B960494DF}">
-                <a14:hiddenLine xmlns="" xmlns:a16="http://schemas.microsoft.com/office/drawing/2014/main" xmlns:a14="http://schemas.microsoft.com/office/drawing/2010/main" w="9525">
+                <a14:hiddenLine xmlns:a14="http://schemas.microsoft.com/office/drawing/2010/main" xmlns:a16="http://schemas.microsoft.com/office/drawing/2014/main" xmlns="" w="9525">
                   <a:solidFill>
                     <a:srgbClr val="000000"/>
                   </a:solidFill>
@@ -30955,7 +31391,7 @@
             </a:ln>
             <a:extLst>
               <a:ext uri="{91240B29-F687-4f45-9708-019B960494DF}">
-                <a14:hiddenLine xmlns="" xmlns:a16="http://schemas.microsoft.com/office/drawing/2014/main" xmlns:a14="http://schemas.microsoft.com/office/drawing/2010/main" w="9525">
+                <a14:hiddenLine xmlns:a14="http://schemas.microsoft.com/office/drawing/2010/main" xmlns:a16="http://schemas.microsoft.com/office/drawing/2014/main" xmlns="" w="9525">
                   <a:solidFill>
                     <a:srgbClr val="000000"/>
                   </a:solidFill>
@@ -31060,7 +31496,7 @@
             </a:ln>
             <a:extLst>
               <a:ext uri="{91240B29-F687-4f45-9708-019B960494DF}">
-                <a14:hiddenLine xmlns="" xmlns:a16="http://schemas.microsoft.com/office/drawing/2014/main" xmlns:a14="http://schemas.microsoft.com/office/drawing/2010/main" w="9525">
+                <a14:hiddenLine xmlns:a14="http://schemas.microsoft.com/office/drawing/2010/main" xmlns:a16="http://schemas.microsoft.com/office/drawing/2014/main" xmlns="" w="9525">
                   <a:solidFill>
                     <a:srgbClr val="000000"/>
                   </a:solidFill>
@@ -31131,7 +31567,7 @@
             </a:ln>
             <a:extLst>
               <a:ext uri="{91240B29-F687-4f45-9708-019B960494DF}">
-                <a14:hiddenLine xmlns="" xmlns:a16="http://schemas.microsoft.com/office/drawing/2014/main" xmlns:a14="http://schemas.microsoft.com/office/drawing/2010/main" w="9525">
+                <a14:hiddenLine xmlns:a14="http://schemas.microsoft.com/office/drawing/2010/main" xmlns:a16="http://schemas.microsoft.com/office/drawing/2014/main" xmlns="" w="9525">
                   <a:solidFill>
                     <a:srgbClr val="000000"/>
                   </a:solidFill>
@@ -31236,7 +31672,7 @@
             </a:ln>
             <a:extLst>
               <a:ext uri="{91240B29-F687-4f45-9708-019B960494DF}">
-                <a14:hiddenLine xmlns="" xmlns:a16="http://schemas.microsoft.com/office/drawing/2014/main" xmlns:a14="http://schemas.microsoft.com/office/drawing/2010/main" w="9525">
+                <a14:hiddenLine xmlns:a14="http://schemas.microsoft.com/office/drawing/2010/main" xmlns:a16="http://schemas.microsoft.com/office/drawing/2014/main" xmlns="" w="9525">
                   <a:solidFill>
                     <a:srgbClr val="000000"/>
                   </a:solidFill>
@@ -31319,7 +31755,7 @@
             </a:ln>
             <a:extLst>
               <a:ext uri="{91240B29-F687-4f45-9708-019B960494DF}">
-                <a14:hiddenLine xmlns="" xmlns:a16="http://schemas.microsoft.com/office/drawing/2014/main" xmlns:a14="http://schemas.microsoft.com/office/drawing/2010/main" w="9525">
+                <a14:hiddenLine xmlns:a14="http://schemas.microsoft.com/office/drawing/2010/main" xmlns:a16="http://schemas.microsoft.com/office/drawing/2014/main" xmlns="" w="9525">
                   <a:solidFill>
                     <a:srgbClr val="000000"/>
                   </a:solidFill>
@@ -31424,7 +31860,7 @@
             </a:ln>
             <a:extLst>
               <a:ext uri="{91240B29-F687-4f45-9708-019B960494DF}">
-                <a14:hiddenLine xmlns="" xmlns:a16="http://schemas.microsoft.com/office/drawing/2014/main" xmlns:a14="http://schemas.microsoft.com/office/drawing/2010/main" w="9525">
+                <a14:hiddenLine xmlns:a14="http://schemas.microsoft.com/office/drawing/2010/main" xmlns:a16="http://schemas.microsoft.com/office/drawing/2014/main" xmlns="" w="9525">
                   <a:solidFill>
                     <a:srgbClr val="000000"/>
                   </a:solidFill>
@@ -31507,7 +31943,7 @@
             </a:ln>
             <a:extLst>
               <a:ext uri="{91240B29-F687-4f45-9708-019B960494DF}">
-                <a14:hiddenLine xmlns="" xmlns:a16="http://schemas.microsoft.com/office/drawing/2014/main" xmlns:a14="http://schemas.microsoft.com/office/drawing/2010/main" w="9525">
+                <a14:hiddenLine xmlns:a14="http://schemas.microsoft.com/office/drawing/2010/main" xmlns:a16="http://schemas.microsoft.com/office/drawing/2014/main" xmlns="" w="9525">
                   <a:solidFill>
                     <a:srgbClr val="000000"/>
                   </a:solidFill>
@@ -31612,7 +32048,7 @@
             </a:ln>
             <a:extLst>
               <a:ext uri="{91240B29-F687-4f45-9708-019B960494DF}">
-                <a14:hiddenLine xmlns="" xmlns:a16="http://schemas.microsoft.com/office/drawing/2014/main" xmlns:a14="http://schemas.microsoft.com/office/drawing/2010/main" w="9525">
+                <a14:hiddenLine xmlns:a14="http://schemas.microsoft.com/office/drawing/2010/main" xmlns:a16="http://schemas.microsoft.com/office/drawing/2014/main" xmlns="" w="9525">
                   <a:solidFill>
                     <a:srgbClr val="000000"/>
                   </a:solidFill>
@@ -31661,7 +32097,7 @@
             </a:ln>
             <a:extLst>
               <a:ext uri="{91240B29-F687-4f45-9708-019B960494DF}">
-                <a14:hiddenLine xmlns="" xmlns:a16="http://schemas.microsoft.com/office/drawing/2014/main" xmlns:a14="http://schemas.microsoft.com/office/drawing/2010/main" w="9525">
+                <a14:hiddenLine xmlns:a14="http://schemas.microsoft.com/office/drawing/2010/main" xmlns:a16="http://schemas.microsoft.com/office/drawing/2014/main" xmlns="" w="9525">
                   <a:solidFill>
                     <a:srgbClr val="000000"/>
                   </a:solidFill>
@@ -31766,7 +32202,7 @@
             </a:ln>
             <a:extLst>
               <a:ext uri="{91240B29-F687-4f45-9708-019B960494DF}">
-                <a14:hiddenLine xmlns="" xmlns:a16="http://schemas.microsoft.com/office/drawing/2014/main" xmlns:a14="http://schemas.microsoft.com/office/drawing/2010/main" w="9525">
+                <a14:hiddenLine xmlns:a14="http://schemas.microsoft.com/office/drawing/2010/main" xmlns:a16="http://schemas.microsoft.com/office/drawing/2014/main" xmlns="" w="9525">
                   <a:solidFill>
                     <a:srgbClr val="000000"/>
                   </a:solidFill>
@@ -31843,7 +32279,7 @@
             </a:ln>
             <a:extLst>
               <a:ext uri="{91240B29-F687-4f45-9708-019B960494DF}">
-                <a14:hiddenLine xmlns="" xmlns:a16="http://schemas.microsoft.com/office/drawing/2014/main" xmlns:a14="http://schemas.microsoft.com/office/drawing/2010/main" w="9525">
+                <a14:hiddenLine xmlns:a14="http://schemas.microsoft.com/office/drawing/2010/main" xmlns:a16="http://schemas.microsoft.com/office/drawing/2014/main" xmlns="" w="9525">
                   <a:solidFill>
                     <a:srgbClr val="000000"/>
                   </a:solidFill>
@@ -31920,7 +32356,7 @@
             </a:ln>
             <a:extLst>
               <a:ext uri="{91240B29-F687-4f45-9708-019B960494DF}">
-                <a14:hiddenLine xmlns="" xmlns:a16="http://schemas.microsoft.com/office/drawing/2014/main" xmlns:a14="http://schemas.microsoft.com/office/drawing/2010/main" w="9525">
+                <a14:hiddenLine xmlns:a14="http://schemas.microsoft.com/office/drawing/2010/main" xmlns:a16="http://schemas.microsoft.com/office/drawing/2014/main" xmlns="" w="9525">
                   <a:solidFill>
                     <a:srgbClr val="000000"/>
                   </a:solidFill>
@@ -32025,7 +32461,7 @@
             </a:ln>
             <a:extLst>
               <a:ext uri="{91240B29-F687-4f45-9708-019B960494DF}">
-                <a14:hiddenLine xmlns="" xmlns:a16="http://schemas.microsoft.com/office/drawing/2014/main" xmlns:a14="http://schemas.microsoft.com/office/drawing/2010/main" w="9525">
+                <a14:hiddenLine xmlns:a14="http://schemas.microsoft.com/office/drawing/2010/main" xmlns:a16="http://schemas.microsoft.com/office/drawing/2014/main" xmlns="" w="9525">
                   <a:solidFill>
                     <a:srgbClr val="000000"/>
                   </a:solidFill>
@@ -32108,7 +32544,7 @@
             </a:ln>
             <a:extLst>
               <a:ext uri="{91240B29-F687-4f45-9708-019B960494DF}">
-                <a14:hiddenLine xmlns="" xmlns:a16="http://schemas.microsoft.com/office/drawing/2014/main" xmlns:a14="http://schemas.microsoft.com/office/drawing/2010/main" w="9525">
+                <a14:hiddenLine xmlns:a14="http://schemas.microsoft.com/office/drawing/2010/main" xmlns:a16="http://schemas.microsoft.com/office/drawing/2014/main" xmlns="" w="9525">
                   <a:solidFill>
                     <a:srgbClr val="000000"/>
                   </a:solidFill>
@@ -32185,7 +32621,7 @@
             </a:ln>
             <a:extLst>
               <a:ext uri="{91240B29-F687-4f45-9708-019B960494DF}">
-                <a14:hiddenLine xmlns="" xmlns:a16="http://schemas.microsoft.com/office/drawing/2014/main" xmlns:a14="http://schemas.microsoft.com/office/drawing/2010/main" w="9525">
+                <a14:hiddenLine xmlns:a14="http://schemas.microsoft.com/office/drawing/2010/main" xmlns:a16="http://schemas.microsoft.com/office/drawing/2014/main" xmlns="" w="9525">
                   <a:solidFill>
                     <a:srgbClr val="000000"/>
                   </a:solidFill>
@@ -32290,7 +32726,7 @@
             </a:ln>
             <a:extLst>
               <a:ext uri="{91240B29-F687-4f45-9708-019B960494DF}">
-                <a14:hiddenLine xmlns="" xmlns:a16="http://schemas.microsoft.com/office/drawing/2014/main" xmlns:a14="http://schemas.microsoft.com/office/drawing/2010/main" w="9525">
+                <a14:hiddenLine xmlns:a14="http://schemas.microsoft.com/office/drawing/2010/main" xmlns:a16="http://schemas.microsoft.com/office/drawing/2014/main" xmlns="" w="9525">
                   <a:solidFill>
                     <a:srgbClr val="000000"/>
                   </a:solidFill>
@@ -32367,7 +32803,7 @@
             </a:ln>
             <a:extLst>
               <a:ext uri="{91240B29-F687-4f45-9708-019B960494DF}">
-                <a14:hiddenLine xmlns="" xmlns:a16="http://schemas.microsoft.com/office/drawing/2014/main" xmlns:a14="http://schemas.microsoft.com/office/drawing/2010/main" w="9525">
+                <a14:hiddenLine xmlns:a14="http://schemas.microsoft.com/office/drawing/2010/main" xmlns:a16="http://schemas.microsoft.com/office/drawing/2014/main" xmlns="" w="9525">
                   <a:solidFill>
                     <a:srgbClr val="000000"/>
                   </a:solidFill>
@@ -32472,7 +32908,7 @@
             </a:ln>
             <a:extLst>
               <a:ext uri="{91240B29-F687-4f45-9708-019B960494DF}">
-                <a14:hiddenLine xmlns="" xmlns:a16="http://schemas.microsoft.com/office/drawing/2014/main" xmlns:a14="http://schemas.microsoft.com/office/drawing/2010/main" w="9525">
+                <a14:hiddenLine xmlns:a14="http://schemas.microsoft.com/office/drawing/2010/main" xmlns:a16="http://schemas.microsoft.com/office/drawing/2014/main" xmlns="" w="9525">
                   <a:solidFill>
                     <a:srgbClr val="000000"/>
                   </a:solidFill>
@@ -32549,7 +32985,7 @@
             </a:ln>
             <a:extLst>
               <a:ext uri="{91240B29-F687-4f45-9708-019B960494DF}">
-                <a14:hiddenLine xmlns="" xmlns:a16="http://schemas.microsoft.com/office/drawing/2014/main" xmlns:a14="http://schemas.microsoft.com/office/drawing/2010/main" w="9525">
+                <a14:hiddenLine xmlns:a14="http://schemas.microsoft.com/office/drawing/2010/main" xmlns:a16="http://schemas.microsoft.com/office/drawing/2014/main" xmlns="" w="9525">
                   <a:solidFill>
                     <a:srgbClr val="000000"/>
                   </a:solidFill>
@@ -32654,7 +33090,7 @@
             </a:ln>
             <a:extLst>
               <a:ext uri="{91240B29-F687-4f45-9708-019B960494DF}">
-                <a14:hiddenLine xmlns="" xmlns:a16="http://schemas.microsoft.com/office/drawing/2014/main" xmlns:a14="http://schemas.microsoft.com/office/drawing/2010/main" w="9525">
+                <a14:hiddenLine xmlns:a14="http://schemas.microsoft.com/office/drawing/2010/main" xmlns:a16="http://schemas.microsoft.com/office/drawing/2014/main" xmlns="" w="9525">
                   <a:solidFill>
                     <a:srgbClr val="000000"/>
                   </a:solidFill>
@@ -32703,7 +33139,7 @@
             </a:ln>
             <a:extLst>
               <a:ext uri="{91240B29-F687-4f45-9708-019B960494DF}">
-                <a14:hiddenLine xmlns="" xmlns:a16="http://schemas.microsoft.com/office/drawing/2014/main" xmlns:a14="http://schemas.microsoft.com/office/drawing/2010/main" w="9525">
+                <a14:hiddenLine xmlns:a14="http://schemas.microsoft.com/office/drawing/2010/main" xmlns:a16="http://schemas.microsoft.com/office/drawing/2014/main" xmlns="" w="9525">
                   <a:solidFill>
                     <a:srgbClr val="000000"/>
                   </a:solidFill>
@@ -32783,7 +33219,7 @@
             </a:ln>
             <a:extLst>
               <a:ext uri="{91240B29-F687-4f45-9708-019B960494DF}">
-                <a14:hiddenLine xmlns="" xmlns:a16="http://schemas.microsoft.com/office/drawing/2014/main" xmlns:a14="http://schemas.microsoft.com/office/drawing/2010/main" w="9525">
+                <a14:hiddenLine xmlns:a14="http://schemas.microsoft.com/office/drawing/2010/main" xmlns:a16="http://schemas.microsoft.com/office/drawing/2014/main" xmlns="" w="9525">
                   <a:solidFill>
                     <a:srgbClr val="000000"/>
                   </a:solidFill>
@@ -32888,7 +33324,7 @@
             </a:ln>
             <a:extLst>
               <a:ext uri="{91240B29-F687-4f45-9708-019B960494DF}">
-                <a14:hiddenLine xmlns="" xmlns:a16="http://schemas.microsoft.com/office/drawing/2014/main" xmlns:a14="http://schemas.microsoft.com/office/drawing/2010/main" w="9525">
+                <a14:hiddenLine xmlns:a14="http://schemas.microsoft.com/office/drawing/2010/main" xmlns:a16="http://schemas.microsoft.com/office/drawing/2014/main" xmlns="" w="9525">
                   <a:solidFill>
                     <a:srgbClr val="000000"/>
                   </a:solidFill>
@@ -32965,7 +33401,7 @@
             </a:ln>
             <a:extLst>
               <a:ext uri="{91240B29-F687-4f45-9708-019B960494DF}">
-                <a14:hiddenLine xmlns="" xmlns:a16="http://schemas.microsoft.com/office/drawing/2014/main" xmlns:a14="http://schemas.microsoft.com/office/drawing/2010/main" w="9525">
+                <a14:hiddenLine xmlns:a14="http://schemas.microsoft.com/office/drawing/2010/main" xmlns:a16="http://schemas.microsoft.com/office/drawing/2014/main" xmlns="" w="9525">
                   <a:solidFill>
                     <a:srgbClr val="000000"/>
                   </a:solidFill>
@@ -33070,7 +33506,7 @@
             </a:ln>
             <a:extLst>
               <a:ext uri="{91240B29-F687-4f45-9708-019B960494DF}">
-                <a14:hiddenLine xmlns="" xmlns:a16="http://schemas.microsoft.com/office/drawing/2014/main" xmlns:a14="http://schemas.microsoft.com/office/drawing/2010/main" w="9525">
+                <a14:hiddenLine xmlns:a14="http://schemas.microsoft.com/office/drawing/2010/main" xmlns:a16="http://schemas.microsoft.com/office/drawing/2014/main" xmlns="" w="9525">
                   <a:solidFill>
                     <a:srgbClr val="000000"/>
                   </a:solidFill>
@@ -33175,7 +33611,7 @@
             </a:ln>
             <a:extLst>
               <a:ext uri="{91240B29-F687-4f45-9708-019B960494DF}">
-                <a14:hiddenLine xmlns="" xmlns:a16="http://schemas.microsoft.com/office/drawing/2014/main" xmlns:a14="http://schemas.microsoft.com/office/drawing/2010/main" w="9525">
+                <a14:hiddenLine xmlns:a14="http://schemas.microsoft.com/office/drawing/2010/main" xmlns:a16="http://schemas.microsoft.com/office/drawing/2014/main" xmlns="" w="9525">
                   <a:solidFill>
                     <a:srgbClr val="000000"/>
                   </a:solidFill>
@@ -33255,7 +33691,7 @@
             </a:ln>
             <a:extLst>
               <a:ext uri="{91240B29-F687-4f45-9708-019B960494DF}">
-                <a14:hiddenLine xmlns="" xmlns:a16="http://schemas.microsoft.com/office/drawing/2014/main" xmlns:a14="http://schemas.microsoft.com/office/drawing/2010/main" w="9525">
+                <a14:hiddenLine xmlns:a14="http://schemas.microsoft.com/office/drawing/2010/main" xmlns:a16="http://schemas.microsoft.com/office/drawing/2014/main" xmlns="" w="9525">
                   <a:solidFill>
                     <a:srgbClr val="000000"/>
                   </a:solidFill>
@@ -33332,7 +33768,7 @@
             </a:ln>
             <a:extLst>
               <a:ext uri="{91240B29-F687-4f45-9708-019B960494DF}">
-                <a14:hiddenLine xmlns="" xmlns:a16="http://schemas.microsoft.com/office/drawing/2014/main" xmlns:a14="http://schemas.microsoft.com/office/drawing/2010/main" w="9525">
+                <a14:hiddenLine xmlns:a14="http://schemas.microsoft.com/office/drawing/2010/main" xmlns:a16="http://schemas.microsoft.com/office/drawing/2014/main" xmlns="" w="9525">
                   <a:solidFill>
                     <a:srgbClr val="000000"/>
                   </a:solidFill>
@@ -33437,7 +33873,7 @@
             </a:ln>
             <a:extLst>
               <a:ext uri="{91240B29-F687-4f45-9708-019B960494DF}">
-                <a14:hiddenLine xmlns="" xmlns:a16="http://schemas.microsoft.com/office/drawing/2014/main" xmlns:a14="http://schemas.microsoft.com/office/drawing/2010/main" w="9525">
+                <a14:hiddenLine xmlns:a14="http://schemas.microsoft.com/office/drawing/2010/main" xmlns:a16="http://schemas.microsoft.com/office/drawing/2014/main" xmlns="" w="9525">
                   <a:solidFill>
                     <a:srgbClr val="000000"/>
                   </a:solidFill>
@@ -33542,7 +33978,7 @@
             </a:ln>
             <a:extLst>
               <a:ext uri="{91240B29-F687-4f45-9708-019B960494DF}">
-                <a14:hiddenLine xmlns="" xmlns:a16="http://schemas.microsoft.com/office/drawing/2014/main" xmlns:a14="http://schemas.microsoft.com/office/drawing/2010/main" w="9525">
+                <a14:hiddenLine xmlns:a14="http://schemas.microsoft.com/office/drawing/2010/main" xmlns:a16="http://schemas.microsoft.com/office/drawing/2014/main" xmlns="" w="9525">
                   <a:solidFill>
                     <a:srgbClr val="000000"/>
                   </a:solidFill>
@@ -33619,7 +34055,7 @@
             </a:ln>
             <a:extLst>
               <a:ext uri="{91240B29-F687-4f45-9708-019B960494DF}">
-                <a14:hiddenLine xmlns="" xmlns:a16="http://schemas.microsoft.com/office/drawing/2014/main" xmlns:a14="http://schemas.microsoft.com/office/drawing/2010/main" w="9525">
+                <a14:hiddenLine xmlns:a14="http://schemas.microsoft.com/office/drawing/2010/main" xmlns:a16="http://schemas.microsoft.com/office/drawing/2014/main" xmlns="" w="9525">
                   <a:solidFill>
                     <a:srgbClr val="000000"/>
                   </a:solidFill>
@@ -33754,7 +34190,7 @@
             </a:ln>
             <a:extLst>
               <a:ext uri="{91240B29-F687-4f45-9708-019B960494DF}">
-                <a14:hiddenLine xmlns="" xmlns:a16="http://schemas.microsoft.com/office/drawing/2014/main" xmlns:a14="http://schemas.microsoft.com/office/drawing/2010/main" w="9525">
+                <a14:hiddenLine xmlns:a14="http://schemas.microsoft.com/office/drawing/2010/main" xmlns:a16="http://schemas.microsoft.com/office/drawing/2014/main" xmlns="" w="9525">
                   <a:solidFill>
                     <a:srgbClr val="000000"/>
                   </a:solidFill>
@@ -33837,7 +34273,7 @@
             </a:ln>
             <a:extLst>
               <a:ext uri="{91240B29-F687-4f45-9708-019B960494DF}">
-                <a14:hiddenLine xmlns="" xmlns:a16="http://schemas.microsoft.com/office/drawing/2014/main" xmlns:a14="http://schemas.microsoft.com/office/drawing/2010/main" w="9525">
+                <a14:hiddenLine xmlns:a14="http://schemas.microsoft.com/office/drawing/2010/main" xmlns:a16="http://schemas.microsoft.com/office/drawing/2014/main" xmlns="" w="9525">
                   <a:solidFill>
                     <a:srgbClr val="000000"/>
                   </a:solidFill>
@@ -33942,7 +34378,7 @@
             </a:ln>
             <a:extLst>
               <a:ext uri="{91240B29-F687-4f45-9708-019B960494DF}">
-                <a14:hiddenLine xmlns="" xmlns:a16="http://schemas.microsoft.com/office/drawing/2014/main" xmlns:a14="http://schemas.microsoft.com/office/drawing/2010/main" w="9525">
+                <a14:hiddenLine xmlns:a14="http://schemas.microsoft.com/office/drawing/2010/main" xmlns:a16="http://schemas.microsoft.com/office/drawing/2014/main" xmlns="" w="9525">
                   <a:solidFill>
                     <a:srgbClr val="000000"/>
                   </a:solidFill>
@@ -34099,7 +34535,7 @@
             <a:noFill/>
             <a:extLst>
               <a:ext uri="{909E8E84-426E-40dd-AFC4-6F175D3DCCD1}">
-                <a14:hiddenFill xmlns="" xmlns:a16="http://schemas.microsoft.com/office/drawing/2014/main" xmlns:p14="http://schemas.microsoft.com/office/powerpoint/2010/main" xmlns:a14="http://schemas.microsoft.com/office/drawing/2010/main">
+                <a14:hiddenFill xmlns:a14="http://schemas.microsoft.com/office/drawing/2010/main" xmlns:p14="http://schemas.microsoft.com/office/powerpoint/2010/main" xmlns:a16="http://schemas.microsoft.com/office/drawing/2014/main" xmlns="">
                   <a:solidFill>
                     <a:srgbClr val="FFFFFF"/>
                   </a:solidFill>
@@ -36122,13 +36558,13 @@
   <p:clrMapOvr>
     <a:masterClrMapping/>
   </p:clrMapOvr>
-  <mc:AlternateContent xmlns:mc="http://schemas.openxmlformats.org/markup-compatibility/2006">
-    <mc:Choice xmlns:p14="http://schemas.microsoft.com/office/powerpoint/2010/main" Requires="p14">
+  <mc:AlternateContent xmlns:mc="http://schemas.openxmlformats.org/markup-compatibility/2006" xmlns:p14="http://schemas.microsoft.com/office/powerpoint/2010/main">
+    <mc:Choice Requires="p14">
       <p:transition spd="slow" p14:dur="1500">
         <p:split orient="vert"/>
       </p:transition>
     </mc:Choice>
-    <mc:Fallback>
+    <mc:Fallback xmlns="">
       <p:transition spd="slow">
         <p:split orient="vert"/>
       </p:transition>
@@ -36813,7 +37249,7 @@
           <a:noFill/>
           <a:extLst>
             <a:ext uri="{909E8E84-426E-40dd-AFC4-6F175D3DCCD1}">
-              <a14:hiddenFill xmlns="" xmlns:a16="http://schemas.microsoft.com/office/drawing/2014/main" xmlns:a14="http://schemas.microsoft.com/office/drawing/2010/main">
+              <a14:hiddenFill xmlns:a14="http://schemas.microsoft.com/office/drawing/2010/main" xmlns:a16="http://schemas.microsoft.com/office/drawing/2014/main" xmlns="">
                 <a:solidFill>
                   <a:srgbClr val="FFFFFF"/>
                 </a:solidFill>
@@ -36905,7 +37341,7 @@
             </a:ln>
             <a:extLst>
               <a:ext uri="{91240B29-F687-4f45-9708-019B960494DF}">
-                <a14:hiddenLine xmlns="" xmlns:a16="http://schemas.microsoft.com/office/drawing/2014/main" xmlns:a14="http://schemas.microsoft.com/office/drawing/2010/main" w="9525">
+                <a14:hiddenLine xmlns:a14="http://schemas.microsoft.com/office/drawing/2010/main" xmlns:a16="http://schemas.microsoft.com/office/drawing/2014/main" xmlns="" w="9525">
                   <a:solidFill>
                     <a:srgbClr val="000000"/>
                   </a:solidFill>
@@ -37010,7 +37446,7 @@
             </a:ln>
             <a:extLst>
               <a:ext uri="{91240B29-F687-4f45-9708-019B960494DF}">
-                <a14:hiddenLine xmlns="" xmlns:a16="http://schemas.microsoft.com/office/drawing/2014/main" xmlns:a14="http://schemas.microsoft.com/office/drawing/2010/main" w="9525">
+                <a14:hiddenLine xmlns:a14="http://schemas.microsoft.com/office/drawing/2010/main" xmlns:a16="http://schemas.microsoft.com/office/drawing/2014/main" xmlns="" w="9525">
                   <a:solidFill>
                     <a:srgbClr val="000000"/>
                   </a:solidFill>
@@ -37115,7 +37551,7 @@
             </a:ln>
             <a:extLst>
               <a:ext uri="{91240B29-F687-4f45-9708-019B960494DF}">
-                <a14:hiddenLine xmlns="" xmlns:a16="http://schemas.microsoft.com/office/drawing/2014/main" xmlns:a14="http://schemas.microsoft.com/office/drawing/2010/main" w="9525">
+                <a14:hiddenLine xmlns:a14="http://schemas.microsoft.com/office/drawing/2010/main" xmlns:a16="http://schemas.microsoft.com/office/drawing/2014/main" xmlns="" w="9525">
                   <a:solidFill>
                     <a:srgbClr val="000000"/>
                   </a:solidFill>
@@ -37164,7 +37600,7 @@
             </a:ln>
             <a:extLst>
               <a:ext uri="{91240B29-F687-4f45-9708-019B960494DF}">
-                <a14:hiddenLine xmlns="" xmlns:a16="http://schemas.microsoft.com/office/drawing/2014/main" xmlns:a14="http://schemas.microsoft.com/office/drawing/2010/main" w="9525">
+                <a14:hiddenLine xmlns:a14="http://schemas.microsoft.com/office/drawing/2010/main" xmlns:a16="http://schemas.microsoft.com/office/drawing/2014/main" xmlns="" w="9525">
                   <a:solidFill>
                     <a:srgbClr val="000000"/>
                   </a:solidFill>
@@ -37269,7 +37705,7 @@
             </a:ln>
             <a:extLst>
               <a:ext uri="{91240B29-F687-4f45-9708-019B960494DF}">
-                <a14:hiddenLine xmlns="" xmlns:a16="http://schemas.microsoft.com/office/drawing/2014/main" xmlns:a14="http://schemas.microsoft.com/office/drawing/2010/main" w="9525">
+                <a14:hiddenLine xmlns:a14="http://schemas.microsoft.com/office/drawing/2010/main" xmlns:a16="http://schemas.microsoft.com/office/drawing/2014/main" xmlns="" w="9525">
                   <a:solidFill>
                     <a:srgbClr val="000000"/>
                   </a:solidFill>
@@ -37346,7 +37782,7 @@
             </a:ln>
             <a:extLst>
               <a:ext uri="{91240B29-F687-4f45-9708-019B960494DF}">
-                <a14:hiddenLine xmlns="" xmlns:a16="http://schemas.microsoft.com/office/drawing/2014/main" xmlns:a14="http://schemas.microsoft.com/office/drawing/2010/main" w="9525">
+                <a14:hiddenLine xmlns:a14="http://schemas.microsoft.com/office/drawing/2010/main" xmlns:a16="http://schemas.microsoft.com/office/drawing/2014/main" xmlns="" w="9525">
                   <a:solidFill>
                     <a:srgbClr val="000000"/>
                   </a:solidFill>
@@ -37423,7 +37859,7 @@
             </a:ln>
             <a:extLst>
               <a:ext uri="{91240B29-F687-4f45-9708-019B960494DF}">
-                <a14:hiddenLine xmlns="" xmlns:a16="http://schemas.microsoft.com/office/drawing/2014/main" xmlns:a14="http://schemas.microsoft.com/office/drawing/2010/main" w="9525">
+                <a14:hiddenLine xmlns:a14="http://schemas.microsoft.com/office/drawing/2010/main" xmlns:a16="http://schemas.microsoft.com/office/drawing/2014/main" xmlns="" w="9525">
                   <a:solidFill>
                     <a:srgbClr val="000000"/>
                   </a:solidFill>
@@ -37528,7 +37964,7 @@
             </a:ln>
             <a:extLst>
               <a:ext uri="{91240B29-F687-4f45-9708-019B960494DF}">
-                <a14:hiddenLine xmlns="" xmlns:a16="http://schemas.microsoft.com/office/drawing/2014/main" xmlns:a14="http://schemas.microsoft.com/office/drawing/2010/main" w="9525">
+                <a14:hiddenLine xmlns:a14="http://schemas.microsoft.com/office/drawing/2010/main" xmlns:a16="http://schemas.microsoft.com/office/drawing/2014/main" xmlns="" w="9525">
                   <a:solidFill>
                     <a:srgbClr val="000000"/>
                   </a:solidFill>
@@ -37605,7 +38041,7 @@
             </a:ln>
             <a:extLst>
               <a:ext uri="{91240B29-F687-4f45-9708-019B960494DF}">
-                <a14:hiddenLine xmlns="" xmlns:a16="http://schemas.microsoft.com/office/drawing/2014/main" xmlns:a14="http://schemas.microsoft.com/office/drawing/2010/main" w="9525">
+                <a14:hiddenLine xmlns:a14="http://schemas.microsoft.com/office/drawing/2010/main" xmlns:a16="http://schemas.microsoft.com/office/drawing/2014/main" xmlns="" w="9525">
                   <a:solidFill>
                     <a:srgbClr val="000000"/>
                   </a:solidFill>
@@ -37682,7 +38118,7 @@
             </a:ln>
             <a:extLst>
               <a:ext uri="{91240B29-F687-4f45-9708-019B960494DF}">
-                <a14:hiddenLine xmlns="" xmlns:a16="http://schemas.microsoft.com/office/drawing/2014/main" xmlns:a14="http://schemas.microsoft.com/office/drawing/2010/main" w="9525">
+                <a14:hiddenLine xmlns:a14="http://schemas.microsoft.com/office/drawing/2010/main" xmlns:a16="http://schemas.microsoft.com/office/drawing/2014/main" xmlns="" w="9525">
                   <a:solidFill>
                     <a:srgbClr val="000000"/>
                   </a:solidFill>
@@ -37787,7 +38223,7 @@
             </a:ln>
             <a:extLst>
               <a:ext uri="{91240B29-F687-4f45-9708-019B960494DF}">
-                <a14:hiddenLine xmlns="" xmlns:a16="http://schemas.microsoft.com/office/drawing/2014/main" xmlns:a14="http://schemas.microsoft.com/office/drawing/2010/main" w="9525">
+                <a14:hiddenLine xmlns:a14="http://schemas.microsoft.com/office/drawing/2010/main" xmlns:a16="http://schemas.microsoft.com/office/drawing/2014/main" xmlns="" w="9525">
                   <a:solidFill>
                     <a:srgbClr val="000000"/>
                   </a:solidFill>
@@ -37892,7 +38328,7 @@
             </a:ln>
             <a:extLst>
               <a:ext uri="{91240B29-F687-4f45-9708-019B960494DF}">
-                <a14:hiddenLine xmlns="" xmlns:a16="http://schemas.microsoft.com/office/drawing/2014/main" xmlns:a14="http://schemas.microsoft.com/office/drawing/2010/main" w="9525">
+                <a14:hiddenLine xmlns:a14="http://schemas.microsoft.com/office/drawing/2010/main" xmlns:a16="http://schemas.microsoft.com/office/drawing/2014/main" xmlns="" w="9525">
                   <a:solidFill>
                     <a:srgbClr val="000000"/>
                   </a:solidFill>
@@ -37969,7 +38405,7 @@
             </a:ln>
             <a:extLst>
               <a:ext uri="{91240B29-F687-4f45-9708-019B960494DF}">
-                <a14:hiddenLine xmlns="" xmlns:a16="http://schemas.microsoft.com/office/drawing/2014/main" xmlns:a14="http://schemas.microsoft.com/office/drawing/2010/main" w="9525">
+                <a14:hiddenLine xmlns:a14="http://schemas.microsoft.com/office/drawing/2010/main" xmlns:a16="http://schemas.microsoft.com/office/drawing/2014/main" xmlns="" w="9525">
                   <a:solidFill>
                     <a:srgbClr val="000000"/>
                   </a:solidFill>
@@ -38094,7 +38530,7 @@
             </a:ln>
             <a:extLst>
               <a:ext uri="{91240B29-F687-4f45-9708-019B960494DF}">
-                <a14:hiddenLine xmlns="" xmlns:a16="http://schemas.microsoft.com/office/drawing/2014/main" xmlns:a14="http://schemas.microsoft.com/office/drawing/2010/main" w="9525">
+                <a14:hiddenLine xmlns:a14="http://schemas.microsoft.com/office/drawing/2010/main" xmlns:a16="http://schemas.microsoft.com/office/drawing/2014/main" xmlns="" w="9525">
                   <a:solidFill>
                     <a:srgbClr val="000000"/>
                   </a:solidFill>
@@ -38171,7 +38607,7 @@
             </a:ln>
             <a:extLst>
               <a:ext uri="{91240B29-F687-4f45-9708-019B960494DF}">
-                <a14:hiddenLine xmlns="" xmlns:a16="http://schemas.microsoft.com/office/drawing/2014/main" xmlns:a14="http://schemas.microsoft.com/office/drawing/2010/main" w="9525">
+                <a14:hiddenLine xmlns:a14="http://schemas.microsoft.com/office/drawing/2010/main" xmlns:a16="http://schemas.microsoft.com/office/drawing/2014/main" xmlns="" w="9525">
                   <a:solidFill>
                     <a:srgbClr val="000000"/>
                   </a:solidFill>
@@ -38276,7 +38712,7 @@
             </a:ln>
             <a:extLst>
               <a:ext uri="{91240B29-F687-4f45-9708-019B960494DF}">
-                <a14:hiddenLine xmlns="" xmlns:a16="http://schemas.microsoft.com/office/drawing/2014/main" xmlns:a14="http://schemas.microsoft.com/office/drawing/2010/main" w="9525">
+                <a14:hiddenLine xmlns:a14="http://schemas.microsoft.com/office/drawing/2010/main" xmlns:a16="http://schemas.microsoft.com/office/drawing/2014/main" xmlns="" w="9525">
                   <a:solidFill>
                     <a:srgbClr val="000000"/>
                   </a:solidFill>
@@ -38381,7 +38817,7 @@
             </a:ln>
             <a:extLst>
               <a:ext uri="{91240B29-F687-4f45-9708-019B960494DF}">
-                <a14:hiddenLine xmlns="" xmlns:a16="http://schemas.microsoft.com/office/drawing/2014/main" xmlns:a14="http://schemas.microsoft.com/office/drawing/2010/main" w="9525">
+                <a14:hiddenLine xmlns:a14="http://schemas.microsoft.com/office/drawing/2010/main" xmlns:a16="http://schemas.microsoft.com/office/drawing/2014/main" xmlns="" w="9525">
                   <a:solidFill>
                     <a:srgbClr val="000000"/>
                   </a:solidFill>
@@ -38458,7 +38894,7 @@
             </a:ln>
             <a:extLst>
               <a:ext uri="{91240B29-F687-4f45-9708-019B960494DF}">
-                <a14:hiddenLine xmlns="" xmlns:a16="http://schemas.microsoft.com/office/drawing/2014/main" xmlns:a14="http://schemas.microsoft.com/office/drawing/2010/main" w="9525">
+                <a14:hiddenLine xmlns:a14="http://schemas.microsoft.com/office/drawing/2010/main" xmlns:a16="http://schemas.microsoft.com/office/drawing/2014/main" xmlns="" w="9525">
                   <a:solidFill>
                     <a:srgbClr val="000000"/>
                   </a:solidFill>
@@ -38563,7 +38999,7 @@
             </a:ln>
             <a:extLst>
               <a:ext uri="{91240B29-F687-4f45-9708-019B960494DF}">
-                <a14:hiddenLine xmlns="" xmlns:a16="http://schemas.microsoft.com/office/drawing/2014/main" xmlns:a14="http://schemas.microsoft.com/office/drawing/2010/main" w="9525">
+                <a14:hiddenLine xmlns:a14="http://schemas.microsoft.com/office/drawing/2010/main" xmlns:a16="http://schemas.microsoft.com/office/drawing/2014/main" xmlns="" w="9525">
                   <a:solidFill>
                     <a:srgbClr val="000000"/>
                   </a:solidFill>
@@ -38668,7 +39104,7 @@
             </a:ln>
             <a:extLst>
               <a:ext uri="{91240B29-F687-4f45-9708-019B960494DF}">
-                <a14:hiddenLine xmlns="" xmlns:a16="http://schemas.microsoft.com/office/drawing/2014/main" xmlns:a14="http://schemas.microsoft.com/office/drawing/2010/main" w="9525">
+                <a14:hiddenLine xmlns:a14="http://schemas.microsoft.com/office/drawing/2010/main" xmlns:a16="http://schemas.microsoft.com/office/drawing/2014/main" xmlns="" w="9525">
                   <a:solidFill>
                     <a:srgbClr val="000000"/>
                   </a:solidFill>
@@ -38739,7 +39175,7 @@
             </a:ln>
             <a:extLst>
               <a:ext uri="{91240B29-F687-4f45-9708-019B960494DF}">
-                <a14:hiddenLine xmlns="" xmlns:a16="http://schemas.microsoft.com/office/drawing/2014/main" xmlns:a14="http://schemas.microsoft.com/office/drawing/2010/main" w="9525">
+                <a14:hiddenLine xmlns:a14="http://schemas.microsoft.com/office/drawing/2010/main" xmlns:a16="http://schemas.microsoft.com/office/drawing/2014/main" xmlns="" w="9525">
                   <a:solidFill>
                     <a:srgbClr val="000000"/>
                   </a:solidFill>
@@ -38844,7 +39280,7 @@
             </a:ln>
             <a:extLst>
               <a:ext uri="{91240B29-F687-4f45-9708-019B960494DF}">
-                <a14:hiddenLine xmlns="" xmlns:a16="http://schemas.microsoft.com/office/drawing/2014/main" xmlns:a14="http://schemas.microsoft.com/office/drawing/2010/main" w="9525">
+                <a14:hiddenLine xmlns:a14="http://schemas.microsoft.com/office/drawing/2010/main" xmlns:a16="http://schemas.microsoft.com/office/drawing/2014/main" xmlns="" w="9525">
                   <a:solidFill>
                     <a:srgbClr val="000000"/>
                   </a:solidFill>
@@ -38915,7 +39351,7 @@
             </a:ln>
             <a:extLst>
               <a:ext uri="{91240B29-F687-4f45-9708-019B960494DF}">
-                <a14:hiddenLine xmlns="" xmlns:a16="http://schemas.microsoft.com/office/drawing/2014/main" xmlns:a14="http://schemas.microsoft.com/office/drawing/2010/main" w="9525">
+                <a14:hiddenLine xmlns:a14="http://schemas.microsoft.com/office/drawing/2010/main" xmlns:a16="http://schemas.microsoft.com/office/drawing/2014/main" xmlns="" w="9525">
                   <a:solidFill>
                     <a:srgbClr val="000000"/>
                   </a:solidFill>
@@ -39020,7 +39456,7 @@
             </a:ln>
             <a:extLst>
               <a:ext uri="{91240B29-F687-4f45-9708-019B960494DF}">
-                <a14:hiddenLine xmlns="" xmlns:a16="http://schemas.microsoft.com/office/drawing/2014/main" xmlns:a14="http://schemas.microsoft.com/office/drawing/2010/main" w="9525">
+                <a14:hiddenLine xmlns:a14="http://schemas.microsoft.com/office/drawing/2010/main" xmlns:a16="http://schemas.microsoft.com/office/drawing/2014/main" xmlns="" w="9525">
                   <a:solidFill>
                     <a:srgbClr val="000000"/>
                   </a:solidFill>
@@ -39103,7 +39539,7 @@
             </a:ln>
             <a:extLst>
               <a:ext uri="{91240B29-F687-4f45-9708-019B960494DF}">
-                <a14:hiddenLine xmlns="" xmlns:a16="http://schemas.microsoft.com/office/drawing/2014/main" xmlns:a14="http://schemas.microsoft.com/office/drawing/2010/main" w="9525">
+                <a14:hiddenLine xmlns:a14="http://schemas.microsoft.com/office/drawing/2010/main" xmlns:a16="http://schemas.microsoft.com/office/drawing/2014/main" xmlns="" w="9525">
                   <a:solidFill>
                     <a:srgbClr val="000000"/>
                   </a:solidFill>
@@ -39208,7 +39644,7 @@
             </a:ln>
             <a:extLst>
               <a:ext uri="{91240B29-F687-4f45-9708-019B960494DF}">
-                <a14:hiddenLine xmlns="" xmlns:a16="http://schemas.microsoft.com/office/drawing/2014/main" xmlns:a14="http://schemas.microsoft.com/office/drawing/2010/main" w="9525">
+                <a14:hiddenLine xmlns:a14="http://schemas.microsoft.com/office/drawing/2010/main" xmlns:a16="http://schemas.microsoft.com/office/drawing/2014/main" xmlns="" w="9525">
                   <a:solidFill>
                     <a:srgbClr val="000000"/>
                   </a:solidFill>
@@ -39291,7 +39727,7 @@
             </a:ln>
             <a:extLst>
               <a:ext uri="{91240B29-F687-4f45-9708-019B960494DF}">
-                <a14:hiddenLine xmlns="" xmlns:a16="http://schemas.microsoft.com/office/drawing/2014/main" xmlns:a14="http://schemas.microsoft.com/office/drawing/2010/main" w="9525">
+                <a14:hiddenLine xmlns:a14="http://schemas.microsoft.com/office/drawing/2010/main" xmlns:a16="http://schemas.microsoft.com/office/drawing/2014/main" xmlns="" w="9525">
                   <a:solidFill>
                     <a:srgbClr val="000000"/>
                   </a:solidFill>
@@ -39396,7 +39832,7 @@
             </a:ln>
             <a:extLst>
               <a:ext uri="{91240B29-F687-4f45-9708-019B960494DF}">
-                <a14:hiddenLine xmlns="" xmlns:a16="http://schemas.microsoft.com/office/drawing/2014/main" xmlns:a14="http://schemas.microsoft.com/office/drawing/2010/main" w="9525">
+                <a14:hiddenLine xmlns:a14="http://schemas.microsoft.com/office/drawing/2010/main" xmlns:a16="http://schemas.microsoft.com/office/drawing/2014/main" xmlns="" w="9525">
                   <a:solidFill>
                     <a:srgbClr val="000000"/>
                   </a:solidFill>
@@ -39445,7 +39881,7 @@
             </a:ln>
             <a:extLst>
               <a:ext uri="{91240B29-F687-4f45-9708-019B960494DF}">
-                <a14:hiddenLine xmlns="" xmlns:a16="http://schemas.microsoft.com/office/drawing/2014/main" xmlns:a14="http://schemas.microsoft.com/office/drawing/2010/main" w="9525">
+                <a14:hiddenLine xmlns:a14="http://schemas.microsoft.com/office/drawing/2010/main" xmlns:a16="http://schemas.microsoft.com/office/drawing/2014/main" xmlns="" w="9525">
                   <a:solidFill>
                     <a:srgbClr val="000000"/>
                   </a:solidFill>
@@ -39550,7 +39986,7 @@
             </a:ln>
             <a:extLst>
               <a:ext uri="{91240B29-F687-4f45-9708-019B960494DF}">
-                <a14:hiddenLine xmlns="" xmlns:a16="http://schemas.microsoft.com/office/drawing/2014/main" xmlns:a14="http://schemas.microsoft.com/office/drawing/2010/main" w="9525">
+                <a14:hiddenLine xmlns:a14="http://schemas.microsoft.com/office/drawing/2010/main" xmlns:a16="http://schemas.microsoft.com/office/drawing/2014/main" xmlns="" w="9525">
                   <a:solidFill>
                     <a:srgbClr val="000000"/>
                   </a:solidFill>
@@ -39627,7 +40063,7 @@
             </a:ln>
             <a:extLst>
               <a:ext uri="{91240B29-F687-4f45-9708-019B960494DF}">
-                <a14:hiddenLine xmlns="" xmlns:a16="http://schemas.microsoft.com/office/drawing/2014/main" xmlns:a14="http://schemas.microsoft.com/office/drawing/2010/main" w="9525">
+                <a14:hiddenLine xmlns:a14="http://schemas.microsoft.com/office/drawing/2010/main" xmlns:a16="http://schemas.microsoft.com/office/drawing/2014/main" xmlns="" w="9525">
                   <a:solidFill>
                     <a:srgbClr val="000000"/>
                   </a:solidFill>
@@ -39704,7 +40140,7 @@
             </a:ln>
             <a:extLst>
               <a:ext uri="{91240B29-F687-4f45-9708-019B960494DF}">
-                <a14:hiddenLine xmlns="" xmlns:a16="http://schemas.microsoft.com/office/drawing/2014/main" xmlns:a14="http://schemas.microsoft.com/office/drawing/2010/main" w="9525">
+                <a14:hiddenLine xmlns:a14="http://schemas.microsoft.com/office/drawing/2010/main" xmlns:a16="http://schemas.microsoft.com/office/drawing/2014/main" xmlns="" w="9525">
                   <a:solidFill>
                     <a:srgbClr val="000000"/>
                   </a:solidFill>
@@ -39809,7 +40245,7 @@
             </a:ln>
             <a:extLst>
               <a:ext uri="{91240B29-F687-4f45-9708-019B960494DF}">
-                <a14:hiddenLine xmlns="" xmlns:a16="http://schemas.microsoft.com/office/drawing/2014/main" xmlns:a14="http://schemas.microsoft.com/office/drawing/2010/main" w="9525">
+                <a14:hiddenLine xmlns:a14="http://schemas.microsoft.com/office/drawing/2010/main" xmlns:a16="http://schemas.microsoft.com/office/drawing/2014/main" xmlns="" w="9525">
                   <a:solidFill>
                     <a:srgbClr val="000000"/>
                   </a:solidFill>
@@ -39892,7 +40328,7 @@
             </a:ln>
             <a:extLst>
               <a:ext uri="{91240B29-F687-4f45-9708-019B960494DF}">
-                <a14:hiddenLine xmlns="" xmlns:a16="http://schemas.microsoft.com/office/drawing/2014/main" xmlns:a14="http://schemas.microsoft.com/office/drawing/2010/main" w="9525">
+                <a14:hiddenLine xmlns:a14="http://schemas.microsoft.com/office/drawing/2010/main" xmlns:a16="http://schemas.microsoft.com/office/drawing/2014/main" xmlns="" w="9525">
                   <a:solidFill>
                     <a:srgbClr val="000000"/>
                   </a:solidFill>
@@ -39969,7 +40405,7 @@
             </a:ln>
             <a:extLst>
               <a:ext uri="{91240B29-F687-4f45-9708-019B960494DF}">
-                <a14:hiddenLine xmlns="" xmlns:a16="http://schemas.microsoft.com/office/drawing/2014/main" xmlns:a14="http://schemas.microsoft.com/office/drawing/2010/main" w="9525">
+                <a14:hiddenLine xmlns:a14="http://schemas.microsoft.com/office/drawing/2010/main" xmlns:a16="http://schemas.microsoft.com/office/drawing/2014/main" xmlns="" w="9525">
                   <a:solidFill>
                     <a:srgbClr val="000000"/>
                   </a:solidFill>
@@ -40074,7 +40510,7 @@
             </a:ln>
             <a:extLst>
               <a:ext uri="{91240B29-F687-4f45-9708-019B960494DF}">
-                <a14:hiddenLine xmlns="" xmlns:a16="http://schemas.microsoft.com/office/drawing/2014/main" xmlns:a14="http://schemas.microsoft.com/office/drawing/2010/main" w="9525">
+                <a14:hiddenLine xmlns:a14="http://schemas.microsoft.com/office/drawing/2010/main" xmlns:a16="http://schemas.microsoft.com/office/drawing/2014/main" xmlns="" w="9525">
                   <a:solidFill>
                     <a:srgbClr val="000000"/>
                   </a:solidFill>
@@ -40151,7 +40587,7 @@
             </a:ln>
             <a:extLst>
               <a:ext uri="{91240B29-F687-4f45-9708-019B960494DF}">
-                <a14:hiddenLine xmlns="" xmlns:a16="http://schemas.microsoft.com/office/drawing/2014/main" xmlns:a14="http://schemas.microsoft.com/office/drawing/2010/main" w="9525">
+                <a14:hiddenLine xmlns:a14="http://schemas.microsoft.com/office/drawing/2010/main" xmlns:a16="http://schemas.microsoft.com/office/drawing/2014/main" xmlns="" w="9525">
                   <a:solidFill>
                     <a:srgbClr val="000000"/>
                   </a:solidFill>
@@ -40256,7 +40692,7 @@
             </a:ln>
             <a:extLst>
               <a:ext uri="{91240B29-F687-4f45-9708-019B960494DF}">
-                <a14:hiddenLine xmlns="" xmlns:a16="http://schemas.microsoft.com/office/drawing/2014/main" xmlns:a14="http://schemas.microsoft.com/office/drawing/2010/main" w="9525">
+                <a14:hiddenLine xmlns:a14="http://schemas.microsoft.com/office/drawing/2010/main" xmlns:a16="http://schemas.microsoft.com/office/drawing/2014/main" xmlns="" w="9525">
                   <a:solidFill>
                     <a:srgbClr val="000000"/>
                   </a:solidFill>
@@ -40333,7 +40769,7 @@
             </a:ln>
             <a:extLst>
               <a:ext uri="{91240B29-F687-4f45-9708-019B960494DF}">
-                <a14:hiddenLine xmlns="" xmlns:a16="http://schemas.microsoft.com/office/drawing/2014/main" xmlns:a14="http://schemas.microsoft.com/office/drawing/2010/main" w="9525">
+                <a14:hiddenLine xmlns:a14="http://schemas.microsoft.com/office/drawing/2010/main" xmlns:a16="http://schemas.microsoft.com/office/drawing/2014/main" xmlns="" w="9525">
                   <a:solidFill>
                     <a:srgbClr val="000000"/>
                   </a:solidFill>
@@ -40438,7 +40874,7 @@
             </a:ln>
             <a:extLst>
               <a:ext uri="{91240B29-F687-4f45-9708-019B960494DF}">
-                <a14:hiddenLine xmlns="" xmlns:a16="http://schemas.microsoft.com/office/drawing/2014/main" xmlns:a14="http://schemas.microsoft.com/office/drawing/2010/main" w="9525">
+                <a14:hiddenLine xmlns:a14="http://schemas.microsoft.com/office/drawing/2010/main" xmlns:a16="http://schemas.microsoft.com/office/drawing/2014/main" xmlns="" w="9525">
                   <a:solidFill>
                     <a:srgbClr val="000000"/>
                   </a:solidFill>
@@ -40487,7 +40923,7 @@
             </a:ln>
             <a:extLst>
               <a:ext uri="{91240B29-F687-4f45-9708-019B960494DF}">
-                <a14:hiddenLine xmlns="" xmlns:a16="http://schemas.microsoft.com/office/drawing/2014/main" xmlns:a14="http://schemas.microsoft.com/office/drawing/2010/main" w="9525">
+                <a14:hiddenLine xmlns:a14="http://schemas.microsoft.com/office/drawing/2010/main" xmlns:a16="http://schemas.microsoft.com/office/drawing/2014/main" xmlns="" w="9525">
                   <a:solidFill>
                     <a:srgbClr val="000000"/>
                   </a:solidFill>
@@ -40567,7 +41003,7 @@
             </a:ln>
             <a:extLst>
               <a:ext uri="{91240B29-F687-4f45-9708-019B960494DF}">
-                <a14:hiddenLine xmlns="" xmlns:a16="http://schemas.microsoft.com/office/drawing/2014/main" xmlns:a14="http://schemas.microsoft.com/office/drawing/2010/main" w="9525">
+                <a14:hiddenLine xmlns:a14="http://schemas.microsoft.com/office/drawing/2010/main" xmlns:a16="http://schemas.microsoft.com/office/drawing/2014/main" xmlns="" w="9525">
                   <a:solidFill>
                     <a:srgbClr val="000000"/>
                   </a:solidFill>
@@ -40672,7 +41108,7 @@
             </a:ln>
             <a:extLst>
               <a:ext uri="{91240B29-F687-4f45-9708-019B960494DF}">
-                <a14:hiddenLine xmlns="" xmlns:a16="http://schemas.microsoft.com/office/drawing/2014/main" xmlns:a14="http://schemas.microsoft.com/office/drawing/2010/main" w="9525">
+                <a14:hiddenLine xmlns:a14="http://schemas.microsoft.com/office/drawing/2010/main" xmlns:a16="http://schemas.microsoft.com/office/drawing/2014/main" xmlns="" w="9525">
                   <a:solidFill>
                     <a:srgbClr val="000000"/>
                   </a:solidFill>
@@ -40749,7 +41185,7 @@
             </a:ln>
             <a:extLst>
               <a:ext uri="{91240B29-F687-4f45-9708-019B960494DF}">
-                <a14:hiddenLine xmlns="" xmlns:a16="http://schemas.microsoft.com/office/drawing/2014/main" xmlns:a14="http://schemas.microsoft.com/office/drawing/2010/main" w="9525">
+                <a14:hiddenLine xmlns:a14="http://schemas.microsoft.com/office/drawing/2010/main" xmlns:a16="http://schemas.microsoft.com/office/drawing/2014/main" xmlns="" w="9525">
                   <a:solidFill>
                     <a:srgbClr val="000000"/>
                   </a:solidFill>
@@ -40854,7 +41290,7 @@
             </a:ln>
             <a:extLst>
               <a:ext uri="{91240B29-F687-4f45-9708-019B960494DF}">
-                <a14:hiddenLine xmlns="" xmlns:a16="http://schemas.microsoft.com/office/drawing/2014/main" xmlns:a14="http://schemas.microsoft.com/office/drawing/2010/main" w="9525">
+                <a14:hiddenLine xmlns:a14="http://schemas.microsoft.com/office/drawing/2010/main" xmlns:a16="http://schemas.microsoft.com/office/drawing/2014/main" xmlns="" w="9525">
                   <a:solidFill>
                     <a:srgbClr val="000000"/>
                   </a:solidFill>
@@ -40959,7 +41395,7 @@
             </a:ln>
             <a:extLst>
               <a:ext uri="{91240B29-F687-4f45-9708-019B960494DF}">
-                <a14:hiddenLine xmlns="" xmlns:a16="http://schemas.microsoft.com/office/drawing/2014/main" xmlns:a14="http://schemas.microsoft.com/office/drawing/2010/main" w="9525">
+                <a14:hiddenLine xmlns:a14="http://schemas.microsoft.com/office/drawing/2010/main" xmlns:a16="http://schemas.microsoft.com/office/drawing/2014/main" xmlns="" w="9525">
                   <a:solidFill>
                     <a:srgbClr val="000000"/>
                   </a:solidFill>
@@ -41039,7 +41475,7 @@
             </a:ln>
             <a:extLst>
               <a:ext uri="{91240B29-F687-4f45-9708-019B960494DF}">
-                <a14:hiddenLine xmlns="" xmlns:a16="http://schemas.microsoft.com/office/drawing/2014/main" xmlns:a14="http://schemas.microsoft.com/office/drawing/2010/main" w="9525">
+                <a14:hiddenLine xmlns:a14="http://schemas.microsoft.com/office/drawing/2010/main" xmlns:a16="http://schemas.microsoft.com/office/drawing/2014/main" xmlns="" w="9525">
                   <a:solidFill>
                     <a:srgbClr val="000000"/>
                   </a:solidFill>
@@ -41116,7 +41552,7 @@
             </a:ln>
             <a:extLst>
               <a:ext uri="{91240B29-F687-4f45-9708-019B960494DF}">
-                <a14:hiddenLine xmlns="" xmlns:a16="http://schemas.microsoft.com/office/drawing/2014/main" xmlns:a14="http://schemas.microsoft.com/office/drawing/2010/main" w="9525">
+                <a14:hiddenLine xmlns:a14="http://schemas.microsoft.com/office/drawing/2010/main" xmlns:a16="http://schemas.microsoft.com/office/drawing/2014/main" xmlns="" w="9525">
                   <a:solidFill>
                     <a:srgbClr val="000000"/>
                   </a:solidFill>
@@ -41221,7 +41657,7 @@
             </a:ln>
             <a:extLst>
               <a:ext uri="{91240B29-F687-4f45-9708-019B960494DF}">
-                <a14:hiddenLine xmlns="" xmlns:a16="http://schemas.microsoft.com/office/drawing/2014/main" xmlns:a14="http://schemas.microsoft.com/office/drawing/2010/main" w="9525">
+                <a14:hiddenLine xmlns:a14="http://schemas.microsoft.com/office/drawing/2010/main" xmlns:a16="http://schemas.microsoft.com/office/drawing/2014/main" xmlns="" w="9525">
                   <a:solidFill>
                     <a:srgbClr val="000000"/>
                   </a:solidFill>
@@ -41326,7 +41762,7 @@
             </a:ln>
             <a:extLst>
               <a:ext uri="{91240B29-F687-4f45-9708-019B960494DF}">
-                <a14:hiddenLine xmlns="" xmlns:a16="http://schemas.microsoft.com/office/drawing/2014/main" xmlns:a14="http://schemas.microsoft.com/office/drawing/2010/main" w="9525">
+                <a14:hiddenLine xmlns:a14="http://schemas.microsoft.com/office/drawing/2010/main" xmlns:a16="http://schemas.microsoft.com/office/drawing/2014/main" xmlns="" w="9525">
                   <a:solidFill>
                     <a:srgbClr val="000000"/>
                   </a:solidFill>
@@ -41403,7 +41839,7 @@
             </a:ln>
             <a:extLst>
               <a:ext uri="{91240B29-F687-4f45-9708-019B960494DF}">
-                <a14:hiddenLine xmlns="" xmlns:a16="http://schemas.microsoft.com/office/drawing/2014/main" xmlns:a14="http://schemas.microsoft.com/office/drawing/2010/main" w="9525">
+                <a14:hiddenLine xmlns:a14="http://schemas.microsoft.com/office/drawing/2010/main" xmlns:a16="http://schemas.microsoft.com/office/drawing/2014/main" xmlns="" w="9525">
                   <a:solidFill>
                     <a:srgbClr val="000000"/>
                   </a:solidFill>
@@ -41538,7 +41974,7 @@
             </a:ln>
             <a:extLst>
               <a:ext uri="{91240B29-F687-4f45-9708-019B960494DF}">
-                <a14:hiddenLine xmlns="" xmlns:a16="http://schemas.microsoft.com/office/drawing/2014/main" xmlns:a14="http://schemas.microsoft.com/office/drawing/2010/main" w="9525">
+                <a14:hiddenLine xmlns:a14="http://schemas.microsoft.com/office/drawing/2010/main" xmlns:a16="http://schemas.microsoft.com/office/drawing/2014/main" xmlns="" w="9525">
                   <a:solidFill>
                     <a:srgbClr val="000000"/>
                   </a:solidFill>
@@ -41621,7 +42057,7 @@
             </a:ln>
             <a:extLst>
               <a:ext uri="{91240B29-F687-4f45-9708-019B960494DF}">
-                <a14:hiddenLine xmlns="" xmlns:a16="http://schemas.microsoft.com/office/drawing/2014/main" xmlns:a14="http://schemas.microsoft.com/office/drawing/2010/main" w="9525">
+                <a14:hiddenLine xmlns:a14="http://schemas.microsoft.com/office/drawing/2010/main" xmlns:a16="http://schemas.microsoft.com/office/drawing/2014/main" xmlns="" w="9525">
                   <a:solidFill>
                     <a:srgbClr val="000000"/>
                   </a:solidFill>
@@ -41726,7 +42162,7 @@
             </a:ln>
             <a:extLst>
               <a:ext uri="{91240B29-F687-4f45-9708-019B960494DF}">
-                <a14:hiddenLine xmlns="" xmlns:a16="http://schemas.microsoft.com/office/drawing/2014/main" xmlns:a14="http://schemas.microsoft.com/office/drawing/2010/main" w="9525">
+                <a14:hiddenLine xmlns:a14="http://schemas.microsoft.com/office/drawing/2010/main" xmlns:a16="http://schemas.microsoft.com/office/drawing/2014/main" xmlns="" w="9525">
                   <a:solidFill>
                     <a:srgbClr val="000000"/>
                   </a:solidFill>
@@ -41883,7 +42319,7 @@
             <a:noFill/>
             <a:extLst>
               <a:ext uri="{909E8E84-426E-40dd-AFC4-6F175D3DCCD1}">
-                <a14:hiddenFill xmlns="" xmlns:a16="http://schemas.microsoft.com/office/drawing/2014/main" xmlns:p14="http://schemas.microsoft.com/office/powerpoint/2010/main" xmlns:a14="http://schemas.microsoft.com/office/drawing/2010/main">
+                <a14:hiddenFill xmlns:a14="http://schemas.microsoft.com/office/drawing/2010/main" xmlns:p14="http://schemas.microsoft.com/office/powerpoint/2010/main" xmlns:a16="http://schemas.microsoft.com/office/drawing/2014/main" xmlns="">
                   <a:solidFill>
                     <a:srgbClr val="FFFFFF"/>
                   </a:solidFill>
@@ -42929,4 +43365,299 @@
     </a:ext>
   </a:extLst>
 </a:theme>
+</file>
+
+<file path=ppt/theme/theme3.xml><?xml version="1.0" encoding="utf-8"?>
+<a:theme xmlns:a="http://schemas.openxmlformats.org/drawingml/2006/main" name="Tema do Office">
+  <a:themeElements>
+    <a:clrScheme name="Office">
+      <a:dk1>
+        <a:sysClr val="windowText" lastClr="000000"/>
+      </a:dk1>
+      <a:lt1>
+        <a:sysClr val="window" lastClr="FFFFFF"/>
+      </a:lt1>
+      <a:dk2>
+        <a:srgbClr val="44546A"/>
+      </a:dk2>
+      <a:lt2>
+        <a:srgbClr val="E7E6E6"/>
+      </a:lt2>
+      <a:accent1>
+        <a:srgbClr val="4472C4"/>
+      </a:accent1>
+      <a:accent2>
+        <a:srgbClr val="ED7D31"/>
+      </a:accent2>
+      <a:accent3>
+        <a:srgbClr val="A5A5A5"/>
+      </a:accent3>
+      <a:accent4>
+        <a:srgbClr val="FFC000"/>
+      </a:accent4>
+      <a:accent5>
+        <a:srgbClr val="5B9BD5"/>
+      </a:accent5>
+      <a:accent6>
+        <a:srgbClr val="70AD47"/>
+      </a:accent6>
+      <a:hlink>
+        <a:srgbClr val="0563C1"/>
+      </a:hlink>
+      <a:folHlink>
+        <a:srgbClr val="954F72"/>
+      </a:folHlink>
+    </a:clrScheme>
+    <a:fontScheme name="Office">
+      <a:majorFont>
+        <a:latin typeface="Calibri Light" panose="020F0302020204030204"/>
+        <a:ea typeface=""/>
+        <a:cs typeface=""/>
+        <a:font script="Jpan" typeface="游ゴシック Light"/>
+        <a:font script="Hang" typeface="맑은 고딕"/>
+        <a:font script="Hans" typeface="等线 Light"/>
+        <a:font script="Hant" typeface="新細明體"/>
+        <a:font script="Arab" typeface="Times New Roman"/>
+        <a:font script="Hebr" typeface="Times New Roman"/>
+        <a:font script="Thai" typeface="Angsana New"/>
+        <a:font script="Ethi" typeface="Nyala"/>
+        <a:font script="Beng" typeface="Vrinda"/>
+        <a:font script="Gujr" typeface="Shruti"/>
+        <a:font script="Khmr" typeface="MoolBoran"/>
+        <a:font script="Knda" typeface="Tunga"/>
+        <a:font script="Guru" typeface="Raavi"/>
+        <a:font script="Cans" typeface="Euphemia"/>
+        <a:font script="Cher" typeface="Plantagenet Cherokee"/>
+        <a:font script="Yiii" typeface="Microsoft Yi Baiti"/>
+        <a:font script="Tibt" typeface="Microsoft Himalaya"/>
+        <a:font script="Thaa" typeface="MV Boli"/>
+        <a:font script="Deva" typeface="Mangal"/>
+        <a:font script="Telu" typeface="Gautami"/>
+        <a:font script="Taml" typeface="Latha"/>
+        <a:font script="Syrc" typeface="Estrangelo Edessa"/>
+        <a:font script="Orya" typeface="Kalinga"/>
+        <a:font script="Mlym" typeface="Kartika"/>
+        <a:font script="Laoo" typeface="DokChampa"/>
+        <a:font script="Sinh" typeface="Iskoola Pota"/>
+        <a:font script="Mong" typeface="Mongolian Baiti"/>
+        <a:font script="Viet" typeface="Times New Roman"/>
+        <a:font script="Uigh" typeface="Microsoft Uighur"/>
+        <a:font script="Geor" typeface="Sylfaen"/>
+        <a:font script="Armn" typeface="Arial"/>
+        <a:font script="Bugi" typeface="Leelawadee UI"/>
+        <a:font script="Bopo" typeface="Microsoft JhengHei"/>
+        <a:font script="Java" typeface="Javanese Text"/>
+        <a:font script="Lisu" typeface="Segoe UI"/>
+        <a:font script="Mymr" typeface="Myanmar Text"/>
+        <a:font script="Nkoo" typeface="Ebrima"/>
+        <a:font script="Olck" typeface="Nirmala UI"/>
+        <a:font script="Osma" typeface="Ebrima"/>
+        <a:font script="Phag" typeface="Phagspa"/>
+        <a:font script="Syrn" typeface="Estrangelo Edessa"/>
+        <a:font script="Syrj" typeface="Estrangelo Edessa"/>
+        <a:font script="Syre" typeface="Estrangelo Edessa"/>
+        <a:font script="Sora" typeface="Nirmala UI"/>
+        <a:font script="Tale" typeface="Microsoft Tai Le"/>
+        <a:font script="Talu" typeface="Microsoft New Tai Lue"/>
+        <a:font script="Tfng" typeface="Ebrima"/>
+      </a:majorFont>
+      <a:minorFont>
+        <a:latin typeface="Calibri" panose="020F0502020204030204"/>
+        <a:ea typeface=""/>
+        <a:cs typeface=""/>
+        <a:font script="Jpan" typeface="游ゴシック"/>
+        <a:font script="Hang" typeface="맑은 고딕"/>
+        <a:font script="Hans" typeface="等线"/>
+        <a:font script="Hant" typeface="新細明體"/>
+        <a:font script="Arab" typeface="Arial"/>
+        <a:font script="Hebr" typeface="Arial"/>
+        <a:font script="Thai" typeface="Cordia New"/>
+        <a:font script="Ethi" typeface="Nyala"/>
+        <a:font script="Beng" typeface="Vrinda"/>
+        <a:font script="Gujr" typeface="Shruti"/>
+        <a:font script="Khmr" typeface="DaunPenh"/>
+        <a:font script="Knda" typeface="Tunga"/>
+        <a:font script="Guru" typeface="Raavi"/>
+        <a:font script="Cans" typeface="Euphemia"/>
+        <a:font script="Cher" typeface="Plantagenet Cherokee"/>
+        <a:font script="Yiii" typeface="Microsoft Yi Baiti"/>
+        <a:font script="Tibt" typeface="Microsoft Himalaya"/>
+        <a:font script="Thaa" typeface="MV Boli"/>
+        <a:font script="Deva" typeface="Mangal"/>
+        <a:font script="Telu" typeface="Gautami"/>
+        <a:font script="Taml" typeface="Latha"/>
+        <a:font script="Syrc" typeface="Estrangelo Edessa"/>
+        <a:font script="Orya" typeface="Kalinga"/>
+        <a:font script="Mlym" typeface="Kartika"/>
+        <a:font script="Laoo" typeface="DokChampa"/>
+        <a:font script="Sinh" typeface="Iskoola Pota"/>
+        <a:font script="Mong" typeface="Mongolian Baiti"/>
+        <a:font script="Viet" typeface="Arial"/>
+        <a:font script="Uigh" typeface="Microsoft Uighur"/>
+        <a:font script="Geor" typeface="Sylfaen"/>
+        <a:font script="Armn" typeface="Arial"/>
+        <a:font script="Bugi" typeface="Leelawadee UI"/>
+        <a:font script="Bopo" typeface="Microsoft JhengHei"/>
+        <a:font script="Java" typeface="Javanese Text"/>
+        <a:font script="Lisu" typeface="Segoe UI"/>
+        <a:font script="Mymr" typeface="Myanmar Text"/>
+        <a:font script="Nkoo" typeface="Ebrima"/>
+        <a:font script="Olck" typeface="Nirmala UI"/>
+        <a:font script="Osma" typeface="Ebrima"/>
+        <a:font script="Phag" typeface="Phagspa"/>
+        <a:font script="Syrn" typeface="Estrangelo Edessa"/>
+        <a:font script="Syrj" typeface="Estrangelo Edessa"/>
+        <a:font script="Syre" typeface="Estrangelo Edessa"/>
+        <a:font script="Sora" typeface="Nirmala UI"/>
+        <a:font script="Tale" typeface="Microsoft Tai Le"/>
+        <a:font script="Talu" typeface="Microsoft New Tai Lue"/>
+        <a:font script="Tfng" typeface="Ebrima"/>
+      </a:minorFont>
+    </a:fontScheme>
+    <a:fmtScheme name="Office">
+      <a:fillStyleLst>
+        <a:solidFill>
+          <a:schemeClr val="phClr"/>
+        </a:solidFill>
+        <a:gradFill rotWithShape="1">
+          <a:gsLst>
+            <a:gs pos="0">
+              <a:schemeClr val="phClr">
+                <a:lumMod val="110000"/>
+                <a:satMod val="105000"/>
+                <a:tint val="67000"/>
+              </a:schemeClr>
+            </a:gs>
+            <a:gs pos="50000">
+              <a:schemeClr val="phClr">
+                <a:lumMod val="105000"/>
+                <a:satMod val="103000"/>
+                <a:tint val="73000"/>
+              </a:schemeClr>
+            </a:gs>
+            <a:gs pos="100000">
+              <a:schemeClr val="phClr">
+                <a:lumMod val="105000"/>
+                <a:satMod val="109000"/>
+                <a:tint val="81000"/>
+              </a:schemeClr>
+            </a:gs>
+          </a:gsLst>
+          <a:lin ang="5400000" scaled="0"/>
+        </a:gradFill>
+        <a:gradFill rotWithShape="1">
+          <a:gsLst>
+            <a:gs pos="0">
+              <a:schemeClr val="phClr">
+                <a:satMod val="103000"/>
+                <a:lumMod val="102000"/>
+                <a:tint val="94000"/>
+              </a:schemeClr>
+            </a:gs>
+            <a:gs pos="50000">
+              <a:schemeClr val="phClr">
+                <a:satMod val="110000"/>
+                <a:lumMod val="100000"/>
+                <a:shade val="100000"/>
+              </a:schemeClr>
+            </a:gs>
+            <a:gs pos="100000">
+              <a:schemeClr val="phClr">
+                <a:lumMod val="99000"/>
+                <a:satMod val="120000"/>
+                <a:shade val="78000"/>
+              </a:schemeClr>
+            </a:gs>
+          </a:gsLst>
+          <a:lin ang="5400000" scaled="0"/>
+        </a:gradFill>
+      </a:fillStyleLst>
+      <a:lnStyleLst>
+        <a:ln w="6350" cap="flat" cmpd="sng" algn="ctr">
+          <a:solidFill>
+            <a:schemeClr val="phClr"/>
+          </a:solidFill>
+          <a:prstDash val="solid"/>
+          <a:miter lim="800000"/>
+        </a:ln>
+        <a:ln w="12700" cap="flat" cmpd="sng" algn="ctr">
+          <a:solidFill>
+            <a:schemeClr val="phClr"/>
+          </a:solidFill>
+          <a:prstDash val="solid"/>
+          <a:miter lim="800000"/>
+        </a:ln>
+        <a:ln w="19050" cap="flat" cmpd="sng" algn="ctr">
+          <a:solidFill>
+            <a:schemeClr val="phClr"/>
+          </a:solidFill>
+          <a:prstDash val="solid"/>
+          <a:miter lim="800000"/>
+        </a:ln>
+      </a:lnStyleLst>
+      <a:effectStyleLst>
+        <a:effectStyle>
+          <a:effectLst/>
+        </a:effectStyle>
+        <a:effectStyle>
+          <a:effectLst/>
+        </a:effectStyle>
+        <a:effectStyle>
+          <a:effectLst>
+            <a:outerShdw blurRad="57150" dist="19050" dir="5400000" algn="ctr" rotWithShape="0">
+              <a:srgbClr val="000000">
+                <a:alpha val="63000"/>
+              </a:srgbClr>
+            </a:outerShdw>
+          </a:effectLst>
+        </a:effectStyle>
+      </a:effectStyleLst>
+      <a:bgFillStyleLst>
+        <a:solidFill>
+          <a:schemeClr val="phClr"/>
+        </a:solidFill>
+        <a:solidFill>
+          <a:schemeClr val="phClr">
+            <a:tint val="95000"/>
+            <a:satMod val="170000"/>
+          </a:schemeClr>
+        </a:solidFill>
+        <a:gradFill rotWithShape="1">
+          <a:gsLst>
+            <a:gs pos="0">
+              <a:schemeClr val="phClr">
+                <a:tint val="93000"/>
+                <a:satMod val="150000"/>
+                <a:shade val="98000"/>
+                <a:lumMod val="102000"/>
+              </a:schemeClr>
+            </a:gs>
+            <a:gs pos="50000">
+              <a:schemeClr val="phClr">
+                <a:tint val="98000"/>
+                <a:satMod val="130000"/>
+                <a:shade val="90000"/>
+                <a:lumMod val="103000"/>
+              </a:schemeClr>
+            </a:gs>
+            <a:gs pos="100000">
+              <a:schemeClr val="phClr">
+                <a:shade val="63000"/>
+                <a:satMod val="120000"/>
+              </a:schemeClr>
+            </a:gs>
+          </a:gsLst>
+          <a:lin ang="5400000" scaled="0"/>
+        </a:gradFill>
+      </a:bgFillStyleLst>
+    </a:fmtScheme>
+  </a:themeElements>
+  <a:objectDefaults/>
+  <a:extraClrSchemeLst/>
+  <a:extLst>
+    <a:ext uri="{05A4C25C-085E-4340-85A3-A5531E510DB2}">
+      <thm15:themeFamily xmlns:thm15="http://schemas.microsoft.com/office/thememl/2012/main" name="Office Theme" id="{62F939B6-93AF-4DB8-9C6B-D6C7DFDC589F}" vid="{4A3C46E8-61CC-4603-A589-7422A47A8E4A}"/>
+    </a:ext>
+  </a:extLst>
+</a:theme>
 </file>